--- a/python/theme0.pptx
+++ b/python/theme0.pptx
@@ -2,7 +2,7 @@
 <file path=ppt/presentation.xml><?xml version="1.0" encoding="utf-8"?>
 <p:presentation xmlns:a="http://schemas.openxmlformats.org/drawingml/2006/main" xmlns:r="http://schemas.openxmlformats.org/officeDocument/2006/relationships" xmlns:p="http://schemas.openxmlformats.org/presentationml/2006/main" saveSubsetFonts="1">
   <p:sldMasterIdLst>
-    <p:sldMasterId id="2147483648" r:id="rId1"/>
+    <p:sldMasterId id="2147483696" r:id="rId1"/>
   </p:sldMasterIdLst>
   <p:sldIdLst>
     <p:sldId id="256" r:id="rId2"/>
@@ -13,7 +13,7 @@
     <a:defPPr>
       <a:defRPr lang="en-US"/>
     </a:defPPr>
-    <a:lvl1pPr marL="0" algn="l" defTabSz="914400" rtl="0" eaLnBrk="1" latinLnBrk="0" hangingPunct="1">
+    <a:lvl1pPr marL="0" algn="l" defTabSz="457200" rtl="0" eaLnBrk="1" latinLnBrk="0" hangingPunct="1">
       <a:defRPr sz="1800" kern="1200">
         <a:solidFill>
           <a:schemeClr val="tx1"/>
@@ -23,7 +23,7 @@
         <a:cs typeface="+mn-cs"/>
       </a:defRPr>
     </a:lvl1pPr>
-    <a:lvl2pPr marL="457200" algn="l" defTabSz="914400" rtl="0" eaLnBrk="1" latinLnBrk="0" hangingPunct="1">
+    <a:lvl2pPr marL="457200" algn="l" defTabSz="457200" rtl="0" eaLnBrk="1" latinLnBrk="0" hangingPunct="1">
       <a:defRPr sz="1800" kern="1200">
         <a:solidFill>
           <a:schemeClr val="tx1"/>
@@ -33,7 +33,7 @@
         <a:cs typeface="+mn-cs"/>
       </a:defRPr>
     </a:lvl2pPr>
-    <a:lvl3pPr marL="914400" algn="l" defTabSz="914400" rtl="0" eaLnBrk="1" latinLnBrk="0" hangingPunct="1">
+    <a:lvl3pPr marL="914400" algn="l" defTabSz="457200" rtl="0" eaLnBrk="1" latinLnBrk="0" hangingPunct="1">
       <a:defRPr sz="1800" kern="1200">
         <a:solidFill>
           <a:schemeClr val="tx1"/>
@@ -43,7 +43,7 @@
         <a:cs typeface="+mn-cs"/>
       </a:defRPr>
     </a:lvl3pPr>
-    <a:lvl4pPr marL="1371600" algn="l" defTabSz="914400" rtl="0" eaLnBrk="1" latinLnBrk="0" hangingPunct="1">
+    <a:lvl4pPr marL="1371600" algn="l" defTabSz="457200" rtl="0" eaLnBrk="1" latinLnBrk="0" hangingPunct="1">
       <a:defRPr sz="1800" kern="1200">
         <a:solidFill>
           <a:schemeClr val="tx1"/>
@@ -53,7 +53,7 @@
         <a:cs typeface="+mn-cs"/>
       </a:defRPr>
     </a:lvl4pPr>
-    <a:lvl5pPr marL="1828800" algn="l" defTabSz="914400" rtl="0" eaLnBrk="1" latinLnBrk="0" hangingPunct="1">
+    <a:lvl5pPr marL="1828800" algn="l" defTabSz="457200" rtl="0" eaLnBrk="1" latinLnBrk="0" hangingPunct="1">
       <a:defRPr sz="1800" kern="1200">
         <a:solidFill>
           <a:schemeClr val="tx1"/>
@@ -63,7 +63,7 @@
         <a:cs typeface="+mn-cs"/>
       </a:defRPr>
     </a:lvl5pPr>
-    <a:lvl6pPr marL="2286000" algn="l" defTabSz="914400" rtl="0" eaLnBrk="1" latinLnBrk="0" hangingPunct="1">
+    <a:lvl6pPr marL="2286000" algn="l" defTabSz="457200" rtl="0" eaLnBrk="1" latinLnBrk="0" hangingPunct="1">
       <a:defRPr sz="1800" kern="1200">
         <a:solidFill>
           <a:schemeClr val="tx1"/>
@@ -73,7 +73,7 @@
         <a:cs typeface="+mn-cs"/>
       </a:defRPr>
     </a:lvl6pPr>
-    <a:lvl7pPr marL="2743200" algn="l" defTabSz="914400" rtl="0" eaLnBrk="1" latinLnBrk="0" hangingPunct="1">
+    <a:lvl7pPr marL="2743200" algn="l" defTabSz="457200" rtl="0" eaLnBrk="1" latinLnBrk="0" hangingPunct="1">
       <a:defRPr sz="1800" kern="1200">
         <a:solidFill>
           <a:schemeClr val="tx1"/>
@@ -83,7 +83,7 @@
         <a:cs typeface="+mn-cs"/>
       </a:defRPr>
     </a:lvl7pPr>
-    <a:lvl8pPr marL="3200400" algn="l" defTabSz="914400" rtl="0" eaLnBrk="1" latinLnBrk="0" hangingPunct="1">
+    <a:lvl8pPr marL="3200400" algn="l" defTabSz="457200" rtl="0" eaLnBrk="1" latinLnBrk="0" hangingPunct="1">
       <a:defRPr sz="1800" kern="1200">
         <a:solidFill>
           <a:schemeClr val="tx1"/>
@@ -93,7 +93,7 @@
         <a:cs typeface="+mn-cs"/>
       </a:defRPr>
     </a:lvl8pPr>
-    <a:lvl9pPr marL="3657600" algn="l" defTabSz="914400" rtl="0" eaLnBrk="1" latinLnBrk="0" hangingPunct="1">
+    <a:lvl9pPr marL="3657600" algn="l" defTabSz="457200" rtl="0" eaLnBrk="1" latinLnBrk="0" hangingPunct="1">
       <a:defRPr sz="1800" kern="1200">
         <a:solidFill>
           <a:schemeClr val="tx1"/>
@@ -113,8 +113,8 @@
 </file>
 
 <file path=ppt/slideLayouts/slideLayout1.xml><?xml version="1.0" encoding="utf-8"?>
-<p:sldLayout xmlns:a="http://schemas.openxmlformats.org/drawingml/2006/main" xmlns:r="http://schemas.openxmlformats.org/officeDocument/2006/relationships" xmlns:p="http://schemas.openxmlformats.org/presentationml/2006/main" type="title" preserve="1">
-  <p:cSld name="Title Slide">
+<p:sldLayout xmlns:a="http://schemas.openxmlformats.org/drawingml/2006/main" xmlns:r="http://schemas.openxmlformats.org/officeDocument/2006/relationships" xmlns:p="http://schemas.openxmlformats.org/presentationml/2006/main" showMasterSp="0" type="title" preserve="1">
+  <p:cSld name="제목 슬라이드">
     <p:spTree>
       <p:nvGrpSpPr>
         <p:cNvPr id="1" name=""/>
@@ -131,6 +131,82 @@
       </p:grpSpPr>
       <p:sp>
         <p:nvSpPr>
+          <p:cNvPr id="7" name="Rectangle 6"/>
+          <p:cNvSpPr/>
+          <p:nvPr/>
+        </p:nvSpPr>
+        <p:spPr>
+          <a:xfrm>
+            <a:off x="1" y="6400800"/>
+            <a:ext cx="12192000" cy="457200"/>
+          </a:xfrm>
+          <a:prstGeom prst="rect">
+            <a:avLst/>
+          </a:prstGeom>
+          <a:solidFill>
+            <a:schemeClr val="accent2"/>
+          </a:solidFill>
+          <a:ln>
+            <a:noFill/>
+          </a:ln>
+        </p:spPr>
+        <p:style>
+          <a:lnRef idx="2">
+            <a:schemeClr val="accent1">
+              <a:shade val="50000"/>
+            </a:schemeClr>
+          </a:lnRef>
+          <a:fillRef idx="1">
+            <a:schemeClr val="accent1"/>
+          </a:fillRef>
+          <a:effectRef idx="0">
+            <a:schemeClr val="accent1"/>
+          </a:effectRef>
+          <a:fontRef idx="minor">
+            <a:schemeClr val="lt1"/>
+          </a:fontRef>
+        </p:style>
+      </p:sp>
+      <p:sp>
+        <p:nvSpPr>
+          <p:cNvPr id="8" name="Rectangle 7"/>
+          <p:cNvSpPr/>
+          <p:nvPr/>
+        </p:nvSpPr>
+        <p:spPr>
+          <a:xfrm>
+            <a:off x="1" y="6334316"/>
+            <a:ext cx="12192000" cy="66484"/>
+          </a:xfrm>
+          <a:prstGeom prst="rect">
+            <a:avLst/>
+          </a:prstGeom>
+          <a:solidFill>
+            <a:schemeClr val="accent1"/>
+          </a:solidFill>
+          <a:ln>
+            <a:noFill/>
+          </a:ln>
+        </p:spPr>
+        <p:style>
+          <a:lnRef idx="2">
+            <a:schemeClr val="accent1">
+              <a:shade val="50000"/>
+            </a:schemeClr>
+          </a:lnRef>
+          <a:fillRef idx="1">
+            <a:schemeClr val="accent1"/>
+          </a:fillRef>
+          <a:effectRef idx="0">
+            <a:schemeClr val="accent1"/>
+          </a:effectRef>
+          <a:fontRef idx="minor">
+            <a:schemeClr val="lt1"/>
+          </a:fontRef>
+        </p:style>
+      </p:sp>
+      <p:sp>
+        <p:nvSpPr>
           <p:cNvPr id="2" name="Title 1"/>
           <p:cNvSpPr>
             <a:spLocks noGrp="1"/>
@@ -141,22 +217,35 @@
         </p:nvSpPr>
         <p:spPr>
           <a:xfrm>
-            <a:off x="1524000" y="1122363"/>
-            <a:ext cx="9144000" cy="2387600"/>
-          </a:xfrm>
-        </p:spPr>
-        <p:txBody>
-          <a:bodyPr anchor="b"/>
+            <a:off x="1097280" y="758952"/>
+            <a:ext cx="10058400" cy="3566160"/>
+          </a:xfrm>
+        </p:spPr>
+        <p:txBody>
+          <a:bodyPr anchor="b">
+            <a:normAutofit/>
+          </a:bodyPr>
           <a:lstStyle>
-            <a:lvl1pPr algn="ctr">
-              <a:defRPr sz="6000"/>
+            <a:lvl1pPr algn="l">
+              <a:lnSpc>
+                <a:spcPct val="85000"/>
+              </a:lnSpc>
+              <a:defRPr sz="8000" spc="-50" baseline="0">
+                <a:solidFill>
+                  <a:schemeClr val="tx1">
+                    <a:lumMod val="85000"/>
+                    <a:lumOff val="15000"/>
+                  </a:schemeClr>
+                </a:solidFill>
+              </a:defRPr>
             </a:lvl1pPr>
           </a:lstStyle>
           <a:p>
             <a:r>
-              <a:rPr lang="en-US"/>
-              <a:t>Click to edit Master title style</a:t>
-            </a:r>
+              <a:rPr lang="ko-KR" altLang="en-US"/>
+              <a:t>마스터 제목 스타일 편집</a:t>
+            </a:r>
+            <a:endParaRPr lang="en-US" dirty="0"/>
           </a:p>
         </p:txBody>
       </p:sp>
@@ -172,55 +261,63 @@
         </p:nvSpPr>
         <p:spPr>
           <a:xfrm>
-            <a:off x="1524000" y="3602038"/>
-            <a:ext cx="9144000" cy="1655762"/>
-          </a:xfrm>
-        </p:spPr>
-        <p:txBody>
-          <a:bodyPr/>
+            <a:off x="1100051" y="4455621"/>
+            <a:ext cx="10058400" cy="1143000"/>
+          </a:xfrm>
+        </p:spPr>
+        <p:txBody>
+          <a:bodyPr lIns="91440" rIns="91440">
+            <a:normAutofit/>
+          </a:bodyPr>
           <a:lstStyle>
-            <a:lvl1pPr marL="0" indent="0" algn="ctr">
-              <a:buNone/>
-              <a:defRPr sz="2400"/>
+            <a:lvl1pPr marL="0" indent="0" algn="l">
+              <a:buNone/>
+              <a:defRPr sz="2400" cap="all" spc="200" baseline="0">
+                <a:solidFill>
+                  <a:schemeClr val="tx2"/>
+                </a:solidFill>
+                <a:latin typeface="+mj-lt"/>
+              </a:defRPr>
             </a:lvl1pPr>
             <a:lvl2pPr marL="457200" indent="0" algn="ctr">
               <a:buNone/>
-              <a:defRPr sz="2000"/>
+              <a:defRPr sz="2400"/>
             </a:lvl2pPr>
             <a:lvl3pPr marL="914400" indent="0" algn="ctr">
               <a:buNone/>
-              <a:defRPr sz="1800"/>
+              <a:defRPr sz="2400"/>
             </a:lvl3pPr>
             <a:lvl4pPr marL="1371600" indent="0" algn="ctr">
               <a:buNone/>
-              <a:defRPr sz="1600"/>
+              <a:defRPr sz="2000"/>
             </a:lvl4pPr>
             <a:lvl5pPr marL="1828800" indent="0" algn="ctr">
               <a:buNone/>
-              <a:defRPr sz="1600"/>
+              <a:defRPr sz="2000"/>
             </a:lvl5pPr>
             <a:lvl6pPr marL="2286000" indent="0" algn="ctr">
               <a:buNone/>
-              <a:defRPr sz="1600"/>
+              <a:defRPr sz="2000"/>
             </a:lvl6pPr>
             <a:lvl7pPr marL="2743200" indent="0" algn="ctr">
               <a:buNone/>
-              <a:defRPr sz="1600"/>
+              <a:defRPr sz="2000"/>
             </a:lvl7pPr>
             <a:lvl8pPr marL="3200400" indent="0" algn="ctr">
               <a:buNone/>
-              <a:defRPr sz="1600"/>
+              <a:defRPr sz="2000"/>
             </a:lvl8pPr>
             <a:lvl9pPr marL="3657600" indent="0" algn="ctr">
               <a:buNone/>
-              <a:defRPr sz="1600"/>
+              <a:defRPr sz="2000"/>
             </a:lvl9pPr>
           </a:lstStyle>
           <a:p>
             <a:r>
-              <a:rPr lang="en-US"/>
-              <a:t>Click to edit Master subtitle style</a:t>
-            </a:r>
+              <a:rPr lang="ko-KR" altLang="en-US"/>
+              <a:t>클릭하여 마스터 부제목 스타일 편집</a:t>
+            </a:r>
+            <a:endParaRPr lang="en-US" dirty="0"/>
           </a:p>
         </p:txBody>
       </p:sp>
@@ -241,7 +338,7 @@
           <a:p>
             <a:fld id="{E97ACC99-C21C-4CB3-9BFF-A4E4E2EFB41A}" type="datetimeFigureOut">
               <a:rPr lang="en-US" smtClean="0"/>
-              <a:t>11/5/2023</a:t>
+              <a:t>12/13/2023</a:t>
             </a:fld>
             <a:endParaRPr lang="en-US"/>
           </a:p>
@@ -289,10 +386,48 @@
           </a:p>
         </p:txBody>
       </p:sp>
+      <p:cxnSp>
+        <p:nvCxnSpPr>
+          <p:cNvPr id="9" name="Straight Connector 8"/>
+          <p:cNvCxnSpPr/>
+          <p:nvPr/>
+        </p:nvCxnSpPr>
+        <p:spPr>
+          <a:xfrm>
+            <a:off x="1207658" y="4343400"/>
+            <a:ext cx="9875520" cy="0"/>
+          </a:xfrm>
+          <a:prstGeom prst="line">
+            <a:avLst/>
+          </a:prstGeom>
+          <a:ln w="6350">
+            <a:solidFill>
+              <a:schemeClr val="tx1">
+                <a:lumMod val="50000"/>
+                <a:lumOff val="50000"/>
+              </a:schemeClr>
+            </a:solidFill>
+          </a:ln>
+        </p:spPr>
+        <p:style>
+          <a:lnRef idx="1">
+            <a:schemeClr val="accent1"/>
+          </a:lnRef>
+          <a:fillRef idx="0">
+            <a:schemeClr val="accent1"/>
+          </a:fillRef>
+          <a:effectRef idx="0">
+            <a:schemeClr val="accent1"/>
+          </a:effectRef>
+          <a:fontRef idx="minor">
+            <a:schemeClr val="tx1"/>
+          </a:fontRef>
+        </p:style>
+      </p:cxnSp>
     </p:spTree>
     <p:extLst>
       <p:ext uri="{BB962C8B-B14F-4D97-AF65-F5344CB8AC3E}">
-        <p14:creationId xmlns:p14="http://schemas.microsoft.com/office/powerpoint/2010/main" val="386199560"/>
+        <p14:creationId xmlns:p14="http://schemas.microsoft.com/office/powerpoint/2010/main" val="1126085946"/>
       </p:ext>
     </p:extLst>
   </p:cSld>
@@ -304,7 +439,7 @@
 
 <file path=ppt/slideLayouts/slideLayout10.xml><?xml version="1.0" encoding="utf-8"?>
 <p:sldLayout xmlns:a="http://schemas.openxmlformats.org/drawingml/2006/main" xmlns:r="http://schemas.openxmlformats.org/officeDocument/2006/relationships" xmlns:p="http://schemas.openxmlformats.org/presentationml/2006/main" type="vertTx" preserve="1">
-  <p:cSld name="Title and Vertical Text">
+  <p:cSld name="제목 및 세로 텍스트">
     <p:spTree>
       <p:nvGrpSpPr>
         <p:cNvPr id="1" name=""/>
@@ -335,9 +470,10 @@
           <a:lstStyle/>
           <a:p>
             <a:r>
-              <a:rPr lang="en-US"/>
-              <a:t>Click to edit Master title style</a:t>
-            </a:r>
+              <a:rPr lang="ko-KR" altLang="en-US"/>
+              <a:t>마스터 제목 스타일 편집</a:t>
+            </a:r>
+            <a:endParaRPr lang="en-US" dirty="0"/>
           </a:p>
         </p:txBody>
       </p:sp>
@@ -353,42 +489,43 @@
         </p:nvSpPr>
         <p:spPr/>
         <p:txBody>
-          <a:bodyPr vert="eaVert"/>
+          <a:bodyPr vert="eaVert" lIns="45720" tIns="0" rIns="45720" bIns="0"/>
           <a:lstStyle/>
           <a:p>
             <a:pPr lvl="0"/>
             <a:r>
-              <a:rPr lang="en-US"/>
-              <a:t>Click to edit Master text styles</a:t>
+              <a:rPr lang="ko-KR" altLang="en-US"/>
+              <a:t>마스터 텍스트 스타일을 편집하려면 클릭</a:t>
             </a:r>
           </a:p>
           <a:p>
             <a:pPr lvl="1"/>
             <a:r>
-              <a:rPr lang="en-US"/>
-              <a:t>Second level</a:t>
+              <a:rPr lang="ko-KR" altLang="en-US"/>
+              <a:t>두 번째 수준</a:t>
             </a:r>
           </a:p>
           <a:p>
             <a:pPr lvl="2"/>
             <a:r>
-              <a:rPr lang="en-US"/>
-              <a:t>Third level</a:t>
+              <a:rPr lang="ko-KR" altLang="en-US"/>
+              <a:t>세 번째 수준</a:t>
             </a:r>
           </a:p>
           <a:p>
             <a:pPr lvl="3"/>
             <a:r>
-              <a:rPr lang="en-US"/>
-              <a:t>Fourth level</a:t>
+              <a:rPr lang="ko-KR" altLang="en-US"/>
+              <a:t>네 번째 수준</a:t>
             </a:r>
           </a:p>
           <a:p>
             <a:pPr lvl="4"/>
             <a:r>
-              <a:rPr lang="en-US"/>
-              <a:t>Fifth level</a:t>
-            </a:r>
+              <a:rPr lang="ko-KR" altLang="en-US"/>
+              <a:t>다섯 번째 수준</a:t>
+            </a:r>
+            <a:endParaRPr lang="en-US" dirty="0"/>
           </a:p>
         </p:txBody>
       </p:sp>
@@ -409,7 +546,7 @@
           <a:p>
             <a:fld id="{E97ACC99-C21C-4CB3-9BFF-A4E4E2EFB41A}" type="datetimeFigureOut">
               <a:rPr lang="en-US" smtClean="0"/>
-              <a:t>11/5/2023</a:t>
+              <a:t>12/13/2023</a:t>
             </a:fld>
             <a:endParaRPr lang="en-US"/>
           </a:p>
@@ -460,7 +597,7 @@
     </p:spTree>
     <p:extLst>
       <p:ext uri="{BB962C8B-B14F-4D97-AF65-F5344CB8AC3E}">
-        <p14:creationId xmlns:p14="http://schemas.microsoft.com/office/powerpoint/2010/main" val="760268482"/>
+        <p14:creationId xmlns:p14="http://schemas.microsoft.com/office/powerpoint/2010/main" val="2470082310"/>
       </p:ext>
     </p:extLst>
   </p:cSld>
@@ -471,8 +608,8 @@
 </file>
 
 <file path=ppt/slideLayouts/slideLayout11.xml><?xml version="1.0" encoding="utf-8"?>
-<p:sldLayout xmlns:a="http://schemas.openxmlformats.org/drawingml/2006/main" xmlns:r="http://schemas.openxmlformats.org/officeDocument/2006/relationships" xmlns:p="http://schemas.openxmlformats.org/presentationml/2006/main" type="vertTitleAndTx" preserve="1">
-  <p:cSld name="Vertical Title and Text">
+<p:sldLayout xmlns:a="http://schemas.openxmlformats.org/drawingml/2006/main" xmlns:r="http://schemas.openxmlformats.org/officeDocument/2006/relationships" xmlns:p="http://schemas.openxmlformats.org/presentationml/2006/main" showMasterSp="0" type="vertTitleAndTx" preserve="1">
+  <p:cSld name="세로 제목 및 텍스트">
     <p:spTree>
       <p:nvGrpSpPr>
         <p:cNvPr id="1" name=""/>
@@ -489,6 +626,82 @@
       </p:grpSpPr>
       <p:sp>
         <p:nvSpPr>
+          <p:cNvPr id="7" name="Rectangle 6"/>
+          <p:cNvSpPr/>
+          <p:nvPr/>
+        </p:nvSpPr>
+        <p:spPr>
+          <a:xfrm>
+            <a:off x="3175" y="6400800"/>
+            <a:ext cx="12188825" cy="457200"/>
+          </a:xfrm>
+          <a:prstGeom prst="rect">
+            <a:avLst/>
+          </a:prstGeom>
+          <a:solidFill>
+            <a:schemeClr val="accent2"/>
+          </a:solidFill>
+          <a:ln>
+            <a:noFill/>
+          </a:ln>
+        </p:spPr>
+        <p:style>
+          <a:lnRef idx="2">
+            <a:schemeClr val="accent1">
+              <a:shade val="50000"/>
+            </a:schemeClr>
+          </a:lnRef>
+          <a:fillRef idx="1">
+            <a:schemeClr val="accent1"/>
+          </a:fillRef>
+          <a:effectRef idx="0">
+            <a:schemeClr val="accent1"/>
+          </a:effectRef>
+          <a:fontRef idx="minor">
+            <a:schemeClr val="lt1"/>
+          </a:fontRef>
+        </p:style>
+      </p:sp>
+      <p:sp>
+        <p:nvSpPr>
+          <p:cNvPr id="8" name="Rectangle 7"/>
+          <p:cNvSpPr/>
+          <p:nvPr/>
+        </p:nvSpPr>
+        <p:spPr>
+          <a:xfrm>
+            <a:off x="15" y="6334316"/>
+            <a:ext cx="12188825" cy="64008"/>
+          </a:xfrm>
+          <a:prstGeom prst="rect">
+            <a:avLst/>
+          </a:prstGeom>
+          <a:solidFill>
+            <a:schemeClr val="accent1"/>
+          </a:solidFill>
+          <a:ln>
+            <a:noFill/>
+          </a:ln>
+        </p:spPr>
+        <p:style>
+          <a:lnRef idx="2">
+            <a:schemeClr val="accent1">
+              <a:shade val="50000"/>
+            </a:schemeClr>
+          </a:lnRef>
+          <a:fillRef idx="1">
+            <a:schemeClr val="accent1"/>
+          </a:fillRef>
+          <a:effectRef idx="0">
+            <a:schemeClr val="accent1"/>
+          </a:effectRef>
+          <a:fontRef idx="minor">
+            <a:schemeClr val="lt1"/>
+          </a:fontRef>
+        </p:style>
+      </p:sp>
+      <p:sp>
+        <p:nvSpPr>
           <p:cNvPr id="2" name="Vertical Title 1"/>
           <p:cNvSpPr>
             <a:spLocks noGrp="1"/>
@@ -499,8 +712,8 @@
         </p:nvSpPr>
         <p:spPr>
           <a:xfrm>
-            <a:off x="8724900" y="365125"/>
-            <a:ext cx="2628900" cy="5811838"/>
+            <a:off x="8724900" y="412302"/>
+            <a:ext cx="2628900" cy="5759898"/>
           </a:xfrm>
         </p:spPr>
         <p:txBody>
@@ -508,9 +721,10 @@
           <a:lstStyle/>
           <a:p>
             <a:r>
-              <a:rPr lang="en-US"/>
-              <a:t>Click to edit Master title style</a:t>
-            </a:r>
+              <a:rPr lang="ko-KR" altLang="en-US"/>
+              <a:t>마스터 제목 스타일 편집</a:t>
+            </a:r>
+            <a:endParaRPr lang="en-US" dirty="0"/>
           </a:p>
         </p:txBody>
       </p:sp>
@@ -526,47 +740,48 @@
         </p:nvSpPr>
         <p:spPr>
           <a:xfrm>
-            <a:off x="838200" y="365125"/>
-            <a:ext cx="7734300" cy="5811838"/>
-          </a:xfrm>
-        </p:spPr>
-        <p:txBody>
-          <a:bodyPr vert="eaVert"/>
+            <a:off x="838200" y="412302"/>
+            <a:ext cx="7734300" cy="5759898"/>
+          </a:xfrm>
+        </p:spPr>
+        <p:txBody>
+          <a:bodyPr vert="eaVert" lIns="45720" tIns="0" rIns="45720" bIns="0"/>
           <a:lstStyle/>
           <a:p>
             <a:pPr lvl="0"/>
             <a:r>
-              <a:rPr lang="en-US"/>
-              <a:t>Click to edit Master text styles</a:t>
+              <a:rPr lang="ko-KR" altLang="en-US"/>
+              <a:t>마스터 텍스트 스타일을 편집하려면 클릭</a:t>
             </a:r>
           </a:p>
           <a:p>
             <a:pPr lvl="1"/>
             <a:r>
-              <a:rPr lang="en-US"/>
-              <a:t>Second level</a:t>
+              <a:rPr lang="ko-KR" altLang="en-US"/>
+              <a:t>두 번째 수준</a:t>
             </a:r>
           </a:p>
           <a:p>
             <a:pPr lvl="2"/>
             <a:r>
-              <a:rPr lang="en-US"/>
-              <a:t>Third level</a:t>
+              <a:rPr lang="ko-KR" altLang="en-US"/>
+              <a:t>세 번째 수준</a:t>
             </a:r>
           </a:p>
           <a:p>
             <a:pPr lvl="3"/>
             <a:r>
-              <a:rPr lang="en-US"/>
-              <a:t>Fourth level</a:t>
+              <a:rPr lang="ko-KR" altLang="en-US"/>
+              <a:t>네 번째 수준</a:t>
             </a:r>
           </a:p>
           <a:p>
             <a:pPr lvl="4"/>
             <a:r>
-              <a:rPr lang="en-US"/>
-              <a:t>Fifth level</a:t>
-            </a:r>
+              <a:rPr lang="ko-KR" altLang="en-US"/>
+              <a:t>다섯 번째 수준</a:t>
+            </a:r>
+            <a:endParaRPr lang="en-US" dirty="0"/>
           </a:p>
         </p:txBody>
       </p:sp>
@@ -587,7 +802,7 @@
           <a:p>
             <a:fld id="{E97ACC99-C21C-4CB3-9BFF-A4E4E2EFB41A}" type="datetimeFigureOut">
               <a:rPr lang="en-US" smtClean="0"/>
-              <a:t>11/5/2023</a:t>
+              <a:t>12/13/2023</a:t>
             </a:fld>
             <a:endParaRPr lang="en-US"/>
           </a:p>
@@ -638,7 +853,7 @@
     </p:spTree>
     <p:extLst>
       <p:ext uri="{BB962C8B-B14F-4D97-AF65-F5344CB8AC3E}">
-        <p14:creationId xmlns:p14="http://schemas.microsoft.com/office/powerpoint/2010/main" val="981578551"/>
+        <p14:creationId xmlns:p14="http://schemas.microsoft.com/office/powerpoint/2010/main" val="1570303474"/>
       </p:ext>
     </p:extLst>
   </p:cSld>
@@ -650,7 +865,7 @@
 
 <file path=ppt/slideLayouts/slideLayout2.xml><?xml version="1.0" encoding="utf-8"?>
 <p:sldLayout xmlns:a="http://schemas.openxmlformats.org/drawingml/2006/main" xmlns:r="http://schemas.openxmlformats.org/officeDocument/2006/relationships" xmlns:p="http://schemas.openxmlformats.org/presentationml/2006/main" type="obj" preserve="1">
-  <p:cSld name="Title and Content">
+  <p:cSld name="제목 및 내용">
     <p:spTree>
       <p:nvGrpSpPr>
         <p:cNvPr id="1" name=""/>
@@ -681,9 +896,10 @@
           <a:lstStyle/>
           <a:p>
             <a:r>
-              <a:rPr lang="en-US"/>
-              <a:t>Click to edit Master title style</a:t>
-            </a:r>
+              <a:rPr lang="ko-KR" altLang="en-US"/>
+              <a:t>마스터 제목 스타일 편집</a:t>
+            </a:r>
+            <a:endParaRPr lang="en-US" dirty="0"/>
           </a:p>
         </p:txBody>
       </p:sp>
@@ -704,37 +920,38 @@
           <a:p>
             <a:pPr lvl="0"/>
             <a:r>
-              <a:rPr lang="en-US"/>
-              <a:t>Click to edit Master text styles</a:t>
+              <a:rPr lang="ko-KR" altLang="en-US"/>
+              <a:t>마스터 텍스트 스타일을 편집하려면 클릭</a:t>
             </a:r>
           </a:p>
           <a:p>
             <a:pPr lvl="1"/>
             <a:r>
-              <a:rPr lang="en-US"/>
-              <a:t>Second level</a:t>
+              <a:rPr lang="ko-KR" altLang="en-US"/>
+              <a:t>두 번째 수준</a:t>
             </a:r>
           </a:p>
           <a:p>
             <a:pPr lvl="2"/>
             <a:r>
-              <a:rPr lang="en-US"/>
-              <a:t>Third level</a:t>
+              <a:rPr lang="ko-KR" altLang="en-US"/>
+              <a:t>세 번째 수준</a:t>
             </a:r>
           </a:p>
           <a:p>
             <a:pPr lvl="3"/>
             <a:r>
-              <a:rPr lang="en-US"/>
-              <a:t>Fourth level</a:t>
+              <a:rPr lang="ko-KR" altLang="en-US"/>
+              <a:t>네 번째 수준</a:t>
             </a:r>
           </a:p>
           <a:p>
             <a:pPr lvl="4"/>
             <a:r>
-              <a:rPr lang="en-US"/>
-              <a:t>Fifth level</a:t>
-            </a:r>
+              <a:rPr lang="ko-KR" altLang="en-US"/>
+              <a:t>다섯 번째 수준</a:t>
+            </a:r>
+            <a:endParaRPr lang="en-US" dirty="0"/>
           </a:p>
         </p:txBody>
       </p:sp>
@@ -755,7 +972,7 @@
           <a:p>
             <a:fld id="{E97ACC99-C21C-4CB3-9BFF-A4E4E2EFB41A}" type="datetimeFigureOut">
               <a:rPr lang="en-US" smtClean="0"/>
-              <a:t>11/5/2023</a:t>
+              <a:t>12/13/2023</a:t>
             </a:fld>
             <a:endParaRPr lang="en-US"/>
           </a:p>
@@ -806,7 +1023,7 @@
     </p:spTree>
     <p:extLst>
       <p:ext uri="{BB962C8B-B14F-4D97-AF65-F5344CB8AC3E}">
-        <p14:creationId xmlns:p14="http://schemas.microsoft.com/office/powerpoint/2010/main" val="2035330434"/>
+        <p14:creationId xmlns:p14="http://schemas.microsoft.com/office/powerpoint/2010/main" val="3897179540"/>
       </p:ext>
     </p:extLst>
   </p:cSld>
@@ -817,8 +1034,16 @@
 </file>
 
 <file path=ppt/slideLayouts/slideLayout3.xml><?xml version="1.0" encoding="utf-8"?>
-<p:sldLayout xmlns:a="http://schemas.openxmlformats.org/drawingml/2006/main" xmlns:r="http://schemas.openxmlformats.org/officeDocument/2006/relationships" xmlns:p="http://schemas.openxmlformats.org/presentationml/2006/main" type="secHead" preserve="1">
-  <p:cSld name="Section Header">
+<p:sldLayout xmlns:a="http://schemas.openxmlformats.org/drawingml/2006/main" xmlns:r="http://schemas.openxmlformats.org/officeDocument/2006/relationships" xmlns:p="http://schemas.openxmlformats.org/presentationml/2006/main" showMasterSp="0" type="secHead" preserve="1">
+  <p:cSld name="구역 머리글">
+    <p:bg>
+      <p:bgPr>
+        <a:solidFill>
+          <a:schemeClr val="bg1"/>
+        </a:solidFill>
+        <a:effectLst/>
+      </p:bgPr>
+    </p:bg>
     <p:spTree>
       <p:nvGrpSpPr>
         <p:cNvPr id="1" name=""/>
@@ -835,6 +1060,82 @@
       </p:grpSpPr>
       <p:sp>
         <p:nvSpPr>
+          <p:cNvPr id="7" name="Rectangle 6"/>
+          <p:cNvSpPr/>
+          <p:nvPr/>
+        </p:nvSpPr>
+        <p:spPr>
+          <a:xfrm>
+            <a:off x="3175" y="6400800"/>
+            <a:ext cx="12188825" cy="457200"/>
+          </a:xfrm>
+          <a:prstGeom prst="rect">
+            <a:avLst/>
+          </a:prstGeom>
+          <a:solidFill>
+            <a:schemeClr val="accent2"/>
+          </a:solidFill>
+          <a:ln>
+            <a:noFill/>
+          </a:ln>
+        </p:spPr>
+        <p:style>
+          <a:lnRef idx="2">
+            <a:schemeClr val="accent1">
+              <a:shade val="50000"/>
+            </a:schemeClr>
+          </a:lnRef>
+          <a:fillRef idx="1">
+            <a:schemeClr val="accent1"/>
+          </a:fillRef>
+          <a:effectRef idx="0">
+            <a:schemeClr val="accent1"/>
+          </a:effectRef>
+          <a:fontRef idx="minor">
+            <a:schemeClr val="lt1"/>
+          </a:fontRef>
+        </p:style>
+      </p:sp>
+      <p:sp>
+        <p:nvSpPr>
+          <p:cNvPr id="8" name="Rectangle 7"/>
+          <p:cNvSpPr/>
+          <p:nvPr/>
+        </p:nvSpPr>
+        <p:spPr>
+          <a:xfrm>
+            <a:off x="15" y="6334316"/>
+            <a:ext cx="12188825" cy="64008"/>
+          </a:xfrm>
+          <a:prstGeom prst="rect">
+            <a:avLst/>
+          </a:prstGeom>
+          <a:solidFill>
+            <a:schemeClr val="accent1"/>
+          </a:solidFill>
+          <a:ln>
+            <a:noFill/>
+          </a:ln>
+        </p:spPr>
+        <p:style>
+          <a:lnRef idx="2">
+            <a:schemeClr val="accent1">
+              <a:shade val="50000"/>
+            </a:schemeClr>
+          </a:lnRef>
+          <a:fillRef idx="1">
+            <a:schemeClr val="accent1"/>
+          </a:fillRef>
+          <a:effectRef idx="0">
+            <a:schemeClr val="accent1"/>
+          </a:effectRef>
+          <a:fontRef idx="minor">
+            <a:schemeClr val="lt1"/>
+          </a:fontRef>
+        </p:style>
+      </p:sp>
+      <p:sp>
+        <p:nvSpPr>
           <p:cNvPr id="2" name="Title 1"/>
           <p:cNvSpPr>
             <a:spLocks noGrp="1"/>
@@ -845,57 +1146,71 @@
         </p:nvSpPr>
         <p:spPr>
           <a:xfrm>
-            <a:off x="831850" y="1709738"/>
-            <a:ext cx="10515600" cy="2852737"/>
-          </a:xfrm>
-        </p:spPr>
-        <p:txBody>
-          <a:bodyPr anchor="b"/>
+            <a:off x="1097280" y="758952"/>
+            <a:ext cx="10058400" cy="3566160"/>
+          </a:xfrm>
+        </p:spPr>
+        <p:txBody>
+          <a:bodyPr anchor="b" anchorCtr="0">
+            <a:normAutofit/>
+          </a:bodyPr>
           <a:lstStyle>
             <a:lvl1pPr>
-              <a:defRPr sz="6000"/>
-            </a:lvl1pPr>
-          </a:lstStyle>
-          <a:p>
-            <a:r>
-              <a:rPr lang="en-US"/>
-              <a:t>Click to edit Master title style</a:t>
-            </a:r>
-          </a:p>
-        </p:txBody>
-      </p:sp>
-      <p:sp>
-        <p:nvSpPr>
-          <p:cNvPr id="3" name="Text Placeholder 2"/>
-          <p:cNvSpPr>
-            <a:spLocks noGrp="1"/>
-          </p:cNvSpPr>
-          <p:nvPr>
-            <p:ph type="body" idx="1"/>
-          </p:nvPr>
-        </p:nvSpPr>
-        <p:spPr>
-          <a:xfrm>
-            <a:off x="831850" y="4589463"/>
-            <a:ext cx="10515600" cy="1500187"/>
-          </a:xfrm>
-        </p:spPr>
-        <p:txBody>
-          <a:bodyPr/>
-          <a:lstStyle>
-            <a:lvl1pPr marL="0" indent="0">
-              <a:buNone/>
-              <a:defRPr sz="2400">
+              <a:lnSpc>
+                <a:spcPct val="85000"/>
+              </a:lnSpc>
+              <a:defRPr sz="8000" b="0">
                 <a:solidFill>
                   <a:schemeClr val="tx1">
-                    <a:tint val="75000"/>
+                    <a:lumMod val="85000"/>
+                    <a:lumOff val="15000"/>
                   </a:schemeClr>
                 </a:solidFill>
               </a:defRPr>
             </a:lvl1pPr>
+          </a:lstStyle>
+          <a:p>
+            <a:r>
+              <a:rPr lang="ko-KR" altLang="en-US"/>
+              <a:t>마스터 제목 스타일 편집</a:t>
+            </a:r>
+            <a:endParaRPr lang="en-US" dirty="0"/>
+          </a:p>
+        </p:txBody>
+      </p:sp>
+      <p:sp>
+        <p:nvSpPr>
+          <p:cNvPr id="3" name="Text Placeholder 2"/>
+          <p:cNvSpPr>
+            <a:spLocks noGrp="1"/>
+          </p:cNvSpPr>
+          <p:nvPr>
+            <p:ph type="body" idx="1"/>
+          </p:nvPr>
+        </p:nvSpPr>
+        <p:spPr>
+          <a:xfrm>
+            <a:off x="1097280" y="4453128"/>
+            <a:ext cx="10058400" cy="1143000"/>
+          </a:xfrm>
+        </p:spPr>
+        <p:txBody>
+          <a:bodyPr lIns="91440" rIns="91440" anchor="t" anchorCtr="0">
+            <a:normAutofit/>
+          </a:bodyPr>
+          <a:lstStyle>
+            <a:lvl1pPr marL="0" indent="0">
+              <a:buNone/>
+              <a:defRPr sz="2400" cap="all" spc="200" baseline="0">
+                <a:solidFill>
+                  <a:schemeClr val="tx2"/>
+                </a:solidFill>
+                <a:latin typeface="+mj-lt"/>
+              </a:defRPr>
+            </a:lvl1pPr>
             <a:lvl2pPr marL="457200" indent="0">
               <a:buNone/>
-              <a:defRPr sz="2000">
+              <a:defRPr sz="1800">
                 <a:solidFill>
                   <a:schemeClr val="tx1">
                     <a:tint val="75000"/>
@@ -905,7 +1220,7 @@
             </a:lvl2pPr>
             <a:lvl3pPr marL="914400" indent="0">
               <a:buNone/>
-              <a:defRPr sz="1800">
+              <a:defRPr sz="1600">
                 <a:solidFill>
                   <a:schemeClr val="tx1">
                     <a:tint val="75000"/>
@@ -915,7 +1230,7 @@
             </a:lvl3pPr>
             <a:lvl4pPr marL="1371600" indent="0">
               <a:buNone/>
-              <a:defRPr sz="1600">
+              <a:defRPr sz="1400">
                 <a:solidFill>
                   <a:schemeClr val="tx1">
                     <a:tint val="75000"/>
@@ -925,7 +1240,7 @@
             </a:lvl4pPr>
             <a:lvl5pPr marL="1828800" indent="0">
               <a:buNone/>
-              <a:defRPr sz="1600">
+              <a:defRPr sz="1400">
                 <a:solidFill>
                   <a:schemeClr val="tx1">
                     <a:tint val="75000"/>
@@ -935,7 +1250,7 @@
             </a:lvl5pPr>
             <a:lvl6pPr marL="2286000" indent="0">
               <a:buNone/>
-              <a:defRPr sz="1600">
+              <a:defRPr sz="1400">
                 <a:solidFill>
                   <a:schemeClr val="tx1">
                     <a:tint val="75000"/>
@@ -945,7 +1260,7 @@
             </a:lvl6pPr>
             <a:lvl7pPr marL="2743200" indent="0">
               <a:buNone/>
-              <a:defRPr sz="1600">
+              <a:defRPr sz="1400">
                 <a:solidFill>
                   <a:schemeClr val="tx1">
                     <a:tint val="75000"/>
@@ -955,7 +1270,7 @@
             </a:lvl7pPr>
             <a:lvl8pPr marL="3200400" indent="0">
               <a:buNone/>
-              <a:defRPr sz="1600">
+              <a:defRPr sz="1400">
                 <a:solidFill>
                   <a:schemeClr val="tx1">
                     <a:tint val="75000"/>
@@ -965,7 +1280,7 @@
             </a:lvl8pPr>
             <a:lvl9pPr marL="3657600" indent="0">
               <a:buNone/>
-              <a:defRPr sz="1600">
+              <a:defRPr sz="1400">
                 <a:solidFill>
                   <a:schemeClr val="tx1">
                     <a:tint val="75000"/>
@@ -977,8 +1292,8 @@
           <a:p>
             <a:pPr lvl="0"/>
             <a:r>
-              <a:rPr lang="en-US"/>
-              <a:t>Click to edit Master text styles</a:t>
+              <a:rPr lang="ko-KR" altLang="en-US"/>
+              <a:t>마스터 텍스트 스타일을 편집하려면 클릭</a:t>
             </a:r>
           </a:p>
         </p:txBody>
@@ -1000,7 +1315,7 @@
           <a:p>
             <a:fld id="{E97ACC99-C21C-4CB3-9BFF-A4E4E2EFB41A}" type="datetimeFigureOut">
               <a:rPr lang="en-US" smtClean="0"/>
-              <a:t>11/5/2023</a:t>
+              <a:t>12/13/2023</a:t>
             </a:fld>
             <a:endParaRPr lang="en-US"/>
           </a:p>
@@ -1048,10 +1363,48 @@
           </a:p>
         </p:txBody>
       </p:sp>
+      <p:cxnSp>
+        <p:nvCxnSpPr>
+          <p:cNvPr id="9" name="Straight Connector 8"/>
+          <p:cNvCxnSpPr/>
+          <p:nvPr/>
+        </p:nvCxnSpPr>
+        <p:spPr>
+          <a:xfrm>
+            <a:off x="1207658" y="4343400"/>
+            <a:ext cx="9875520" cy="0"/>
+          </a:xfrm>
+          <a:prstGeom prst="line">
+            <a:avLst/>
+          </a:prstGeom>
+          <a:ln w="6350">
+            <a:solidFill>
+              <a:schemeClr val="tx1">
+                <a:lumMod val="50000"/>
+                <a:lumOff val="50000"/>
+              </a:schemeClr>
+            </a:solidFill>
+          </a:ln>
+        </p:spPr>
+        <p:style>
+          <a:lnRef idx="1">
+            <a:schemeClr val="accent1"/>
+          </a:lnRef>
+          <a:fillRef idx="0">
+            <a:schemeClr val="accent1"/>
+          </a:fillRef>
+          <a:effectRef idx="0">
+            <a:schemeClr val="accent1"/>
+          </a:effectRef>
+          <a:fontRef idx="minor">
+            <a:schemeClr val="tx1"/>
+          </a:fontRef>
+        </p:style>
+      </p:cxnSp>
     </p:spTree>
     <p:extLst>
       <p:ext uri="{BB962C8B-B14F-4D97-AF65-F5344CB8AC3E}">
-        <p14:creationId xmlns:p14="http://schemas.microsoft.com/office/powerpoint/2010/main" val="1846027353"/>
+        <p14:creationId xmlns:p14="http://schemas.microsoft.com/office/powerpoint/2010/main" val="1709722171"/>
       </p:ext>
     </p:extLst>
   </p:cSld>
@@ -1063,7 +1416,7 @@
 
 <file path=ppt/slideLayouts/slideLayout4.xml><?xml version="1.0" encoding="utf-8"?>
 <p:sldLayout xmlns:a="http://schemas.openxmlformats.org/drawingml/2006/main" xmlns:r="http://schemas.openxmlformats.org/officeDocument/2006/relationships" xmlns:p="http://schemas.openxmlformats.org/presentationml/2006/main" type="twoObj" preserve="1">
-  <p:cSld name="Two Content">
+  <p:cSld name="콘텐츠 2개">
     <p:spTree>
       <p:nvGrpSpPr>
         <p:cNvPr id="1" name=""/>
@@ -1080,7 +1433,7 @@
       </p:grpSpPr>
       <p:sp>
         <p:nvSpPr>
-          <p:cNvPr id="2" name="Title 1"/>
+          <p:cNvPr id="8" name="Title 7"/>
           <p:cNvSpPr>
             <a:spLocks noGrp="1"/>
           </p:cNvSpPr>
@@ -1088,15 +1441,21 @@
             <p:ph type="title"/>
           </p:nvPr>
         </p:nvSpPr>
-        <p:spPr/>
-        <p:txBody>
-          <a:bodyPr/>
-          <a:lstStyle/>
-          <a:p>
-            <a:r>
-              <a:rPr lang="en-US"/>
-              <a:t>Click to edit Master title style</a:t>
-            </a:r>
+        <p:spPr>
+          <a:xfrm>
+            <a:off x="1097280" y="286603"/>
+            <a:ext cx="10058400" cy="1450757"/>
+          </a:xfrm>
+        </p:spPr>
+        <p:txBody>
+          <a:bodyPr/>
+          <a:lstStyle/>
+          <a:p>
+            <a:r>
+              <a:rPr lang="ko-KR" altLang="en-US"/>
+              <a:t>마스터 제목 스타일 편집</a:t>
+            </a:r>
+            <a:endParaRPr lang="en-US" dirty="0"/>
           </a:p>
         </p:txBody>
       </p:sp>
@@ -1112,8 +1471,8 @@
         </p:nvSpPr>
         <p:spPr>
           <a:xfrm>
-            <a:off x="838200" y="1825625"/>
-            <a:ext cx="5181600" cy="4351338"/>
+            <a:off x="1097280" y="1845734"/>
+            <a:ext cx="4937760" cy="4023359"/>
           </a:xfrm>
         </p:spPr>
         <p:txBody>
@@ -1122,37 +1481,38 @@
           <a:p>
             <a:pPr lvl="0"/>
             <a:r>
-              <a:rPr lang="en-US"/>
-              <a:t>Click to edit Master text styles</a:t>
+              <a:rPr lang="ko-KR" altLang="en-US"/>
+              <a:t>마스터 텍스트 스타일을 편집하려면 클릭</a:t>
             </a:r>
           </a:p>
           <a:p>
             <a:pPr lvl="1"/>
             <a:r>
-              <a:rPr lang="en-US"/>
-              <a:t>Second level</a:t>
+              <a:rPr lang="ko-KR" altLang="en-US"/>
+              <a:t>두 번째 수준</a:t>
             </a:r>
           </a:p>
           <a:p>
             <a:pPr lvl="2"/>
             <a:r>
-              <a:rPr lang="en-US"/>
-              <a:t>Third level</a:t>
+              <a:rPr lang="ko-KR" altLang="en-US"/>
+              <a:t>세 번째 수준</a:t>
             </a:r>
           </a:p>
           <a:p>
             <a:pPr lvl="3"/>
             <a:r>
-              <a:rPr lang="en-US"/>
-              <a:t>Fourth level</a:t>
+              <a:rPr lang="ko-KR" altLang="en-US"/>
+              <a:t>네 번째 수준</a:t>
             </a:r>
           </a:p>
           <a:p>
             <a:pPr lvl="4"/>
             <a:r>
-              <a:rPr lang="en-US"/>
-              <a:t>Fifth level</a:t>
-            </a:r>
+              <a:rPr lang="ko-KR" altLang="en-US"/>
+              <a:t>다섯 번째 수준</a:t>
+            </a:r>
+            <a:endParaRPr lang="en-US" dirty="0"/>
           </a:p>
         </p:txBody>
       </p:sp>
@@ -1168,8 +1528,8 @@
         </p:nvSpPr>
         <p:spPr>
           <a:xfrm>
-            <a:off x="6172200" y="1825625"/>
-            <a:ext cx="5181600" cy="4351338"/>
+            <a:off x="6217920" y="1845735"/>
+            <a:ext cx="4937760" cy="4023360"/>
           </a:xfrm>
         </p:spPr>
         <p:txBody>
@@ -1178,37 +1538,38 @@
           <a:p>
             <a:pPr lvl="0"/>
             <a:r>
-              <a:rPr lang="en-US"/>
-              <a:t>Click to edit Master text styles</a:t>
+              <a:rPr lang="ko-KR" altLang="en-US"/>
+              <a:t>마스터 텍스트 스타일을 편집하려면 클릭</a:t>
             </a:r>
           </a:p>
           <a:p>
             <a:pPr lvl="1"/>
             <a:r>
-              <a:rPr lang="en-US"/>
-              <a:t>Second level</a:t>
+              <a:rPr lang="ko-KR" altLang="en-US"/>
+              <a:t>두 번째 수준</a:t>
             </a:r>
           </a:p>
           <a:p>
             <a:pPr lvl="2"/>
             <a:r>
-              <a:rPr lang="en-US"/>
-              <a:t>Third level</a:t>
+              <a:rPr lang="ko-KR" altLang="en-US"/>
+              <a:t>세 번째 수준</a:t>
             </a:r>
           </a:p>
           <a:p>
             <a:pPr lvl="3"/>
             <a:r>
-              <a:rPr lang="en-US"/>
-              <a:t>Fourth level</a:t>
+              <a:rPr lang="ko-KR" altLang="en-US"/>
+              <a:t>네 번째 수준</a:t>
             </a:r>
           </a:p>
           <a:p>
             <a:pPr lvl="4"/>
             <a:r>
-              <a:rPr lang="en-US"/>
-              <a:t>Fifth level</a:t>
-            </a:r>
+              <a:rPr lang="ko-KR" altLang="en-US"/>
+              <a:t>다섯 번째 수준</a:t>
+            </a:r>
+            <a:endParaRPr lang="en-US" dirty="0"/>
           </a:p>
         </p:txBody>
       </p:sp>
@@ -1229,7 +1590,7 @@
           <a:p>
             <a:fld id="{E97ACC99-C21C-4CB3-9BFF-A4E4E2EFB41A}" type="datetimeFigureOut">
               <a:rPr lang="en-US" smtClean="0"/>
-              <a:t>11/5/2023</a:t>
+              <a:t>12/13/2023</a:t>
             </a:fld>
             <a:endParaRPr lang="en-US"/>
           </a:p>
@@ -1280,7 +1641,7 @@
     </p:spTree>
     <p:extLst>
       <p:ext uri="{BB962C8B-B14F-4D97-AF65-F5344CB8AC3E}">
-        <p14:creationId xmlns:p14="http://schemas.microsoft.com/office/powerpoint/2010/main" val="3052054208"/>
+        <p14:creationId xmlns:p14="http://schemas.microsoft.com/office/powerpoint/2010/main" val="3031546014"/>
       </p:ext>
     </p:extLst>
   </p:cSld>
@@ -1292,7 +1653,7 @@
 
 <file path=ppt/slideLayouts/slideLayout5.xml><?xml version="1.0" encoding="utf-8"?>
 <p:sldLayout xmlns:a="http://schemas.openxmlformats.org/drawingml/2006/main" xmlns:r="http://schemas.openxmlformats.org/officeDocument/2006/relationships" xmlns:p="http://schemas.openxmlformats.org/presentationml/2006/main" type="twoTxTwoObj" preserve="1">
-  <p:cSld name="Comparison">
+  <p:cSld name="비교">
     <p:spTree>
       <p:nvGrpSpPr>
         <p:cNvPr id="1" name=""/>
@@ -1309,7 +1670,7 @@
       </p:grpSpPr>
       <p:sp>
         <p:nvSpPr>
-          <p:cNvPr id="2" name="Title 1"/>
+          <p:cNvPr id="10" name="Title 9"/>
           <p:cNvSpPr>
             <a:spLocks noGrp="1"/>
           </p:cNvSpPr>
@@ -1319,18 +1680,19 @@
         </p:nvSpPr>
         <p:spPr>
           <a:xfrm>
-            <a:off x="839788" y="365125"/>
-            <a:ext cx="10515600" cy="1325563"/>
-          </a:xfrm>
-        </p:spPr>
-        <p:txBody>
-          <a:bodyPr/>
-          <a:lstStyle/>
-          <a:p>
-            <a:r>
-              <a:rPr lang="en-US"/>
-              <a:t>Click to edit Master title style</a:t>
-            </a:r>
+            <a:off x="1097280" y="286603"/>
+            <a:ext cx="10058400" cy="1450757"/>
+          </a:xfrm>
+        </p:spPr>
+        <p:txBody>
+          <a:bodyPr/>
+          <a:lstStyle/>
+          <a:p>
+            <a:r>
+              <a:rPr lang="ko-KR" altLang="en-US"/>
+              <a:t>마스터 제목 스타일 편집</a:t>
+            </a:r>
+            <a:endParaRPr lang="en-US" dirty="0"/>
           </a:p>
         </p:txBody>
       </p:sp>
@@ -1346,16 +1708,22 @@
         </p:nvSpPr>
         <p:spPr>
           <a:xfrm>
-            <a:off x="839788" y="1681163"/>
-            <a:ext cx="5157787" cy="823912"/>
-          </a:xfrm>
-        </p:spPr>
-        <p:txBody>
-          <a:bodyPr anchor="b"/>
+            <a:off x="1097280" y="1846052"/>
+            <a:ext cx="4937760" cy="736282"/>
+          </a:xfrm>
+        </p:spPr>
+        <p:txBody>
+          <a:bodyPr lIns="91440" rIns="91440" anchor="ctr">
+            <a:normAutofit/>
+          </a:bodyPr>
           <a:lstStyle>
             <a:lvl1pPr marL="0" indent="0">
               <a:buNone/>
-              <a:defRPr sz="2400" b="1"/>
+              <a:defRPr sz="2000" b="0" cap="all" baseline="0">
+                <a:solidFill>
+                  <a:schemeClr val="tx2"/>
+                </a:solidFill>
+              </a:defRPr>
             </a:lvl1pPr>
             <a:lvl2pPr marL="457200" indent="0">
               <a:buNone/>
@@ -1393,8 +1761,8 @@
           <a:p>
             <a:pPr lvl="0"/>
             <a:r>
-              <a:rPr lang="en-US"/>
-              <a:t>Click to edit Master text styles</a:t>
+              <a:rPr lang="ko-KR" altLang="en-US"/>
+              <a:t>마스터 텍스트 스타일을 편집하려면 클릭</a:t>
             </a:r>
           </a:p>
         </p:txBody>
@@ -1411,8 +1779,8 @@
         </p:nvSpPr>
         <p:spPr>
           <a:xfrm>
-            <a:off x="839788" y="2505075"/>
-            <a:ext cx="5157787" cy="3684588"/>
+            <a:off x="1097280" y="2582335"/>
+            <a:ext cx="4937760" cy="3286760"/>
           </a:xfrm>
         </p:spPr>
         <p:txBody>
@@ -1421,37 +1789,38 @@
           <a:p>
             <a:pPr lvl="0"/>
             <a:r>
-              <a:rPr lang="en-US"/>
-              <a:t>Click to edit Master text styles</a:t>
+              <a:rPr lang="ko-KR" altLang="en-US"/>
+              <a:t>마스터 텍스트 스타일을 편집하려면 클릭</a:t>
             </a:r>
           </a:p>
           <a:p>
             <a:pPr lvl="1"/>
             <a:r>
-              <a:rPr lang="en-US"/>
-              <a:t>Second level</a:t>
+              <a:rPr lang="ko-KR" altLang="en-US"/>
+              <a:t>두 번째 수준</a:t>
             </a:r>
           </a:p>
           <a:p>
             <a:pPr lvl="2"/>
             <a:r>
-              <a:rPr lang="en-US"/>
-              <a:t>Third level</a:t>
+              <a:rPr lang="ko-KR" altLang="en-US"/>
+              <a:t>세 번째 수준</a:t>
             </a:r>
           </a:p>
           <a:p>
             <a:pPr lvl="3"/>
             <a:r>
-              <a:rPr lang="en-US"/>
-              <a:t>Fourth level</a:t>
+              <a:rPr lang="ko-KR" altLang="en-US"/>
+              <a:t>네 번째 수준</a:t>
             </a:r>
           </a:p>
           <a:p>
             <a:pPr lvl="4"/>
             <a:r>
-              <a:rPr lang="en-US"/>
-              <a:t>Fifth level</a:t>
-            </a:r>
+              <a:rPr lang="ko-KR" altLang="en-US"/>
+              <a:t>다섯 번째 수준</a:t>
+            </a:r>
+            <a:endParaRPr lang="en-US" dirty="0"/>
           </a:p>
         </p:txBody>
       </p:sp>
@@ -1467,16 +1836,22 @@
         </p:nvSpPr>
         <p:spPr>
           <a:xfrm>
-            <a:off x="6172200" y="1681163"/>
-            <a:ext cx="5183188" cy="823912"/>
-          </a:xfrm>
-        </p:spPr>
-        <p:txBody>
-          <a:bodyPr anchor="b"/>
+            <a:off x="6217920" y="1846052"/>
+            <a:ext cx="4937760" cy="736282"/>
+          </a:xfrm>
+        </p:spPr>
+        <p:txBody>
+          <a:bodyPr lIns="91440" rIns="91440" anchor="ctr">
+            <a:normAutofit/>
+          </a:bodyPr>
           <a:lstStyle>
             <a:lvl1pPr marL="0" indent="0">
               <a:buNone/>
-              <a:defRPr sz="2400" b="1"/>
+              <a:defRPr sz="2000" b="0" cap="all" baseline="0">
+                <a:solidFill>
+                  <a:schemeClr val="tx2"/>
+                </a:solidFill>
+              </a:defRPr>
             </a:lvl1pPr>
             <a:lvl2pPr marL="457200" indent="0">
               <a:buNone/>
@@ -1514,8 +1889,8 @@
           <a:p>
             <a:pPr lvl="0"/>
             <a:r>
-              <a:rPr lang="en-US"/>
-              <a:t>Click to edit Master text styles</a:t>
+              <a:rPr lang="ko-KR" altLang="en-US"/>
+              <a:t>마스터 텍스트 스타일을 편집하려면 클릭</a:t>
             </a:r>
           </a:p>
         </p:txBody>
@@ -1532,8 +1907,8 @@
         </p:nvSpPr>
         <p:spPr>
           <a:xfrm>
-            <a:off x="6172200" y="2505075"/>
-            <a:ext cx="5183188" cy="3684588"/>
+            <a:off x="6217920" y="2582334"/>
+            <a:ext cx="4937760" cy="3286760"/>
           </a:xfrm>
         </p:spPr>
         <p:txBody>
@@ -1542,37 +1917,38 @@
           <a:p>
             <a:pPr lvl="0"/>
             <a:r>
-              <a:rPr lang="en-US"/>
-              <a:t>Click to edit Master text styles</a:t>
+              <a:rPr lang="ko-KR" altLang="en-US"/>
+              <a:t>마스터 텍스트 스타일을 편집하려면 클릭</a:t>
             </a:r>
           </a:p>
           <a:p>
             <a:pPr lvl="1"/>
             <a:r>
-              <a:rPr lang="en-US"/>
-              <a:t>Second level</a:t>
+              <a:rPr lang="ko-KR" altLang="en-US"/>
+              <a:t>두 번째 수준</a:t>
             </a:r>
           </a:p>
           <a:p>
             <a:pPr lvl="2"/>
             <a:r>
-              <a:rPr lang="en-US"/>
-              <a:t>Third level</a:t>
+              <a:rPr lang="ko-KR" altLang="en-US"/>
+              <a:t>세 번째 수준</a:t>
             </a:r>
           </a:p>
           <a:p>
             <a:pPr lvl="3"/>
             <a:r>
-              <a:rPr lang="en-US"/>
-              <a:t>Fourth level</a:t>
+              <a:rPr lang="ko-KR" altLang="en-US"/>
+              <a:t>네 번째 수준</a:t>
             </a:r>
           </a:p>
           <a:p>
             <a:pPr lvl="4"/>
             <a:r>
-              <a:rPr lang="en-US"/>
-              <a:t>Fifth level</a:t>
-            </a:r>
+              <a:rPr lang="ko-KR" altLang="en-US"/>
+              <a:t>다섯 번째 수준</a:t>
+            </a:r>
+            <a:endParaRPr lang="en-US" dirty="0"/>
           </a:p>
         </p:txBody>
       </p:sp>
@@ -1593,7 +1969,7 @@
           <a:p>
             <a:fld id="{E97ACC99-C21C-4CB3-9BFF-A4E4E2EFB41A}" type="datetimeFigureOut">
               <a:rPr lang="en-US" smtClean="0"/>
-              <a:t>11/5/2023</a:t>
+              <a:t>12/13/2023</a:t>
             </a:fld>
             <a:endParaRPr lang="en-US"/>
           </a:p>
@@ -1644,7 +2020,7 @@
     </p:spTree>
     <p:extLst>
       <p:ext uri="{BB962C8B-B14F-4D97-AF65-F5344CB8AC3E}">
-        <p14:creationId xmlns:p14="http://schemas.microsoft.com/office/powerpoint/2010/main" val="3321372571"/>
+        <p14:creationId xmlns:p14="http://schemas.microsoft.com/office/powerpoint/2010/main" val="464947950"/>
       </p:ext>
     </p:extLst>
   </p:cSld>
@@ -1656,7 +2032,7 @@
 
 <file path=ppt/slideLayouts/slideLayout6.xml><?xml version="1.0" encoding="utf-8"?>
 <p:sldLayout xmlns:a="http://schemas.openxmlformats.org/drawingml/2006/main" xmlns:r="http://schemas.openxmlformats.org/officeDocument/2006/relationships" xmlns:p="http://schemas.openxmlformats.org/presentationml/2006/main" type="titleOnly" preserve="1">
-  <p:cSld name="Title Only">
+  <p:cSld name="제목만">
     <p:spTree>
       <p:nvGrpSpPr>
         <p:cNvPr id="1" name=""/>
@@ -1687,9 +2063,10 @@
           <a:lstStyle/>
           <a:p>
             <a:r>
-              <a:rPr lang="en-US"/>
-              <a:t>Click to edit Master title style</a:t>
-            </a:r>
+              <a:rPr lang="ko-KR" altLang="en-US"/>
+              <a:t>마스터 제목 스타일 편집</a:t>
+            </a:r>
+            <a:endParaRPr lang="en-US" dirty="0"/>
           </a:p>
         </p:txBody>
       </p:sp>
@@ -1710,7 +2087,7 @@
           <a:p>
             <a:fld id="{E97ACC99-C21C-4CB3-9BFF-A4E4E2EFB41A}" type="datetimeFigureOut">
               <a:rPr lang="en-US" smtClean="0"/>
-              <a:t>11/5/2023</a:t>
+              <a:t>12/13/2023</a:t>
             </a:fld>
             <a:endParaRPr lang="en-US"/>
           </a:p>
@@ -1761,7 +2138,7 @@
     </p:spTree>
     <p:extLst>
       <p:ext uri="{BB962C8B-B14F-4D97-AF65-F5344CB8AC3E}">
-        <p14:creationId xmlns:p14="http://schemas.microsoft.com/office/powerpoint/2010/main" val="4171049568"/>
+        <p14:creationId xmlns:p14="http://schemas.microsoft.com/office/powerpoint/2010/main" val="3269581868"/>
       </p:ext>
     </p:extLst>
   </p:cSld>
@@ -1772,8 +2149,8 @@
 </file>
 
 <file path=ppt/slideLayouts/slideLayout7.xml><?xml version="1.0" encoding="utf-8"?>
-<p:sldLayout xmlns:a="http://schemas.openxmlformats.org/drawingml/2006/main" xmlns:r="http://schemas.openxmlformats.org/officeDocument/2006/relationships" xmlns:p="http://schemas.openxmlformats.org/presentationml/2006/main" type="blank" preserve="1">
-  <p:cSld name="Blank">
+<p:sldLayout xmlns:a="http://schemas.openxmlformats.org/drawingml/2006/main" xmlns:r="http://schemas.openxmlformats.org/officeDocument/2006/relationships" xmlns:p="http://schemas.openxmlformats.org/presentationml/2006/main" showMasterSp="0" type="blank" preserve="1">
+  <p:cSld name="빈 화면">
     <p:spTree>
       <p:nvGrpSpPr>
         <p:cNvPr id="1" name=""/>
@@ -1790,7 +2167,83 @@
       </p:grpSpPr>
       <p:sp>
         <p:nvSpPr>
-          <p:cNvPr id="2" name="Date Placeholder 1"/>
+          <p:cNvPr id="5" name="Rectangle 4"/>
+          <p:cNvSpPr/>
+          <p:nvPr/>
+        </p:nvSpPr>
+        <p:spPr>
+          <a:xfrm>
+            <a:off x="3175" y="6400800"/>
+            <a:ext cx="12188825" cy="457200"/>
+          </a:xfrm>
+          <a:prstGeom prst="rect">
+            <a:avLst/>
+          </a:prstGeom>
+          <a:solidFill>
+            <a:schemeClr val="accent2"/>
+          </a:solidFill>
+          <a:ln>
+            <a:noFill/>
+          </a:ln>
+        </p:spPr>
+        <p:style>
+          <a:lnRef idx="2">
+            <a:schemeClr val="accent1">
+              <a:shade val="50000"/>
+            </a:schemeClr>
+          </a:lnRef>
+          <a:fillRef idx="1">
+            <a:schemeClr val="accent1"/>
+          </a:fillRef>
+          <a:effectRef idx="0">
+            <a:schemeClr val="accent1"/>
+          </a:effectRef>
+          <a:fontRef idx="minor">
+            <a:schemeClr val="lt1"/>
+          </a:fontRef>
+        </p:style>
+      </p:sp>
+      <p:sp>
+        <p:nvSpPr>
+          <p:cNvPr id="6" name="Rectangle 5"/>
+          <p:cNvSpPr/>
+          <p:nvPr/>
+        </p:nvSpPr>
+        <p:spPr>
+          <a:xfrm>
+            <a:off x="15" y="6334316"/>
+            <a:ext cx="12188825" cy="64008"/>
+          </a:xfrm>
+          <a:prstGeom prst="rect">
+            <a:avLst/>
+          </a:prstGeom>
+          <a:solidFill>
+            <a:schemeClr val="accent1"/>
+          </a:solidFill>
+          <a:ln>
+            <a:noFill/>
+          </a:ln>
+        </p:spPr>
+        <p:style>
+          <a:lnRef idx="2">
+            <a:schemeClr val="accent1">
+              <a:shade val="50000"/>
+            </a:schemeClr>
+          </a:lnRef>
+          <a:fillRef idx="1">
+            <a:schemeClr val="accent1"/>
+          </a:fillRef>
+          <a:effectRef idx="0">
+            <a:schemeClr val="accent1"/>
+          </a:effectRef>
+          <a:fontRef idx="minor">
+            <a:schemeClr val="lt1"/>
+          </a:fontRef>
+        </p:style>
+      </p:sp>
+      <p:sp>
+        <p:nvSpPr>
+          <p:cNvPr id="7" name="Date Placeholder 6"/>
           <p:cNvSpPr>
             <a:spLocks noGrp="1"/>
           </p:cNvSpPr>
@@ -1805,7 +2258,7 @@
           <a:p>
             <a:fld id="{E97ACC99-C21C-4CB3-9BFF-A4E4E2EFB41A}" type="datetimeFigureOut">
               <a:rPr lang="en-US" smtClean="0"/>
-              <a:t>11/5/2023</a:t>
+              <a:t>12/13/2023</a:t>
             </a:fld>
             <a:endParaRPr lang="en-US"/>
           </a:p>
@@ -1813,7 +2266,7 @@
       </p:sp>
       <p:sp>
         <p:nvSpPr>
-          <p:cNvPr id="3" name="Footer Placeholder 2"/>
+          <p:cNvPr id="8" name="Footer Placeholder 7"/>
           <p:cNvSpPr>
             <a:spLocks noGrp="1"/>
           </p:cNvSpPr>
@@ -1824,7 +2277,15 @@
         <p:spPr/>
         <p:txBody>
           <a:bodyPr/>
-          <a:lstStyle/>
+          <a:lstStyle>
+            <a:lvl1pPr>
+              <a:defRPr>
+                <a:solidFill>
+                  <a:srgbClr val="FFFFFF"/>
+                </a:solidFill>
+              </a:defRPr>
+            </a:lvl1pPr>
+          </a:lstStyle>
           <a:p>
             <a:endParaRPr lang="en-US"/>
           </a:p>
@@ -1832,7 +2293,7 @@
       </p:sp>
       <p:sp>
         <p:nvSpPr>
-          <p:cNvPr id="4" name="Slide Number Placeholder 3"/>
+          <p:cNvPr id="9" name="Slide Number Placeholder 8"/>
           <p:cNvSpPr>
             <a:spLocks noGrp="1"/>
           </p:cNvSpPr>
@@ -1856,7 +2317,7 @@
     </p:spTree>
     <p:extLst>
       <p:ext uri="{BB962C8B-B14F-4D97-AF65-F5344CB8AC3E}">
-        <p14:creationId xmlns:p14="http://schemas.microsoft.com/office/powerpoint/2010/main" val="1598996657"/>
+        <p14:creationId xmlns:p14="http://schemas.microsoft.com/office/powerpoint/2010/main" val="1096206638"/>
       </p:ext>
     </p:extLst>
   </p:cSld>
@@ -1867,8 +2328,8 @@
 </file>
 
 <file path=ppt/slideLayouts/slideLayout8.xml><?xml version="1.0" encoding="utf-8"?>
-<p:sldLayout xmlns:a="http://schemas.openxmlformats.org/drawingml/2006/main" xmlns:r="http://schemas.openxmlformats.org/officeDocument/2006/relationships" xmlns:p="http://schemas.openxmlformats.org/presentationml/2006/main" type="objTx" preserve="1">
-  <p:cSld name="Content with Caption">
+<p:sldLayout xmlns:a="http://schemas.openxmlformats.org/drawingml/2006/main" xmlns:r="http://schemas.openxmlformats.org/officeDocument/2006/relationships" xmlns:p="http://schemas.openxmlformats.org/presentationml/2006/main" showMasterSp="0" type="objTx" preserve="1">
+  <p:cSld name="캡션 있는 콘텐츠">
     <p:spTree>
       <p:nvGrpSpPr>
         <p:cNvPr id="1" name=""/>
@@ -1885,6 +2346,82 @@
       </p:grpSpPr>
       <p:sp>
         <p:nvSpPr>
+          <p:cNvPr id="8" name="Rectangle 7"/>
+          <p:cNvSpPr/>
+          <p:nvPr/>
+        </p:nvSpPr>
+        <p:spPr>
+          <a:xfrm>
+            <a:off x="16" y="0"/>
+            <a:ext cx="4050791" cy="6858000"/>
+          </a:xfrm>
+          <a:prstGeom prst="rect">
+            <a:avLst/>
+          </a:prstGeom>
+          <a:solidFill>
+            <a:schemeClr val="accent2"/>
+          </a:solidFill>
+          <a:ln>
+            <a:noFill/>
+          </a:ln>
+        </p:spPr>
+        <p:style>
+          <a:lnRef idx="2">
+            <a:schemeClr val="accent1">
+              <a:shade val="50000"/>
+            </a:schemeClr>
+          </a:lnRef>
+          <a:fillRef idx="1">
+            <a:schemeClr val="accent1"/>
+          </a:fillRef>
+          <a:effectRef idx="0">
+            <a:schemeClr val="accent1"/>
+          </a:effectRef>
+          <a:fontRef idx="minor">
+            <a:schemeClr val="lt1"/>
+          </a:fontRef>
+        </p:style>
+      </p:sp>
+      <p:sp>
+        <p:nvSpPr>
+          <p:cNvPr id="9" name="Rectangle 8"/>
+          <p:cNvSpPr/>
+          <p:nvPr/>
+        </p:nvSpPr>
+        <p:spPr>
+          <a:xfrm>
+            <a:off x="4040071" y="0"/>
+            <a:ext cx="64008" cy="6858000"/>
+          </a:xfrm>
+          <a:prstGeom prst="rect">
+            <a:avLst/>
+          </a:prstGeom>
+          <a:solidFill>
+            <a:schemeClr val="accent1"/>
+          </a:solidFill>
+          <a:ln>
+            <a:noFill/>
+          </a:ln>
+        </p:spPr>
+        <p:style>
+          <a:lnRef idx="2">
+            <a:schemeClr val="accent1">
+              <a:shade val="50000"/>
+            </a:schemeClr>
+          </a:lnRef>
+          <a:fillRef idx="1">
+            <a:schemeClr val="accent1"/>
+          </a:fillRef>
+          <a:effectRef idx="0">
+            <a:schemeClr val="accent1"/>
+          </a:effectRef>
+          <a:fontRef idx="minor">
+            <a:schemeClr val="lt1"/>
+          </a:fontRef>
+        </p:style>
+      </p:sp>
+      <p:sp>
+        <p:nvSpPr>
           <p:cNvPr id="2" name="Title 1"/>
           <p:cNvSpPr>
             <a:spLocks noGrp="1"/>
@@ -1895,22 +2432,29 @@
         </p:nvSpPr>
         <p:spPr>
           <a:xfrm>
-            <a:off x="839788" y="457200"/>
-            <a:ext cx="3932237" cy="1600200"/>
-          </a:xfrm>
-        </p:spPr>
-        <p:txBody>
-          <a:bodyPr anchor="b"/>
+            <a:off x="457200" y="594359"/>
+            <a:ext cx="3200400" cy="2286000"/>
+          </a:xfrm>
+        </p:spPr>
+        <p:txBody>
+          <a:bodyPr anchor="b">
+            <a:normAutofit/>
+          </a:bodyPr>
           <a:lstStyle>
             <a:lvl1pPr>
-              <a:defRPr sz="3200"/>
+              <a:defRPr sz="3600" b="0">
+                <a:solidFill>
+                  <a:srgbClr val="FFFFFF"/>
+                </a:solidFill>
+              </a:defRPr>
             </a:lvl1pPr>
           </a:lstStyle>
           <a:p>
             <a:r>
-              <a:rPr lang="en-US"/>
-              <a:t>Click to edit Master title style</a:t>
-            </a:r>
+              <a:rPr lang="ko-KR" altLang="en-US"/>
+              <a:t>마스터 제목 스타일 편집</a:t>
+            </a:r>
+            <a:endParaRPr lang="en-US" dirty="0"/>
           </a:p>
         </p:txBody>
       </p:sp>
@@ -1926,199 +2470,208 @@
         </p:nvSpPr>
         <p:spPr>
           <a:xfrm>
-            <a:off x="5183188" y="987425"/>
-            <a:ext cx="6172200" cy="4873625"/>
-          </a:xfrm>
-        </p:spPr>
+            <a:off x="4800600" y="731520"/>
+            <a:ext cx="6492240" cy="5257800"/>
+          </a:xfrm>
+        </p:spPr>
+        <p:txBody>
+          <a:bodyPr/>
+          <a:lstStyle/>
+          <a:p>
+            <a:pPr lvl="0"/>
+            <a:r>
+              <a:rPr lang="ko-KR" altLang="en-US"/>
+              <a:t>마스터 텍스트 스타일을 편집하려면 클릭</a:t>
+            </a:r>
+          </a:p>
+          <a:p>
+            <a:pPr lvl="1"/>
+            <a:r>
+              <a:rPr lang="ko-KR" altLang="en-US"/>
+              <a:t>두 번째 수준</a:t>
+            </a:r>
+          </a:p>
+          <a:p>
+            <a:pPr lvl="2"/>
+            <a:r>
+              <a:rPr lang="ko-KR" altLang="en-US"/>
+              <a:t>세 번째 수준</a:t>
+            </a:r>
+          </a:p>
+          <a:p>
+            <a:pPr lvl="3"/>
+            <a:r>
+              <a:rPr lang="ko-KR" altLang="en-US"/>
+              <a:t>네 번째 수준</a:t>
+            </a:r>
+          </a:p>
+          <a:p>
+            <a:pPr lvl="4"/>
+            <a:r>
+              <a:rPr lang="ko-KR" altLang="en-US"/>
+              <a:t>다섯 번째 수준</a:t>
+            </a:r>
+            <a:endParaRPr lang="en-US" dirty="0"/>
+          </a:p>
+        </p:txBody>
+      </p:sp>
+      <p:sp>
+        <p:nvSpPr>
+          <p:cNvPr id="4" name="Text Placeholder 3"/>
+          <p:cNvSpPr>
+            <a:spLocks noGrp="1"/>
+          </p:cNvSpPr>
+          <p:nvPr>
+            <p:ph type="body" sz="half" idx="2"/>
+          </p:nvPr>
+        </p:nvSpPr>
+        <p:spPr>
+          <a:xfrm>
+            <a:off x="457200" y="2926080"/>
+            <a:ext cx="3200400" cy="3379124"/>
+          </a:xfrm>
+        </p:spPr>
+        <p:txBody>
+          <a:bodyPr lIns="91440" rIns="91440">
+            <a:normAutofit/>
+          </a:bodyPr>
+          <a:lstStyle>
+            <a:lvl1pPr marL="0" indent="0">
+              <a:buNone/>
+              <a:defRPr sz="1500">
+                <a:solidFill>
+                  <a:srgbClr val="FFFFFF"/>
+                </a:solidFill>
+              </a:defRPr>
+            </a:lvl1pPr>
+            <a:lvl2pPr marL="457200" indent="0">
+              <a:buNone/>
+              <a:defRPr sz="1200"/>
+            </a:lvl2pPr>
+            <a:lvl3pPr marL="914400" indent="0">
+              <a:buNone/>
+              <a:defRPr sz="1000"/>
+            </a:lvl3pPr>
+            <a:lvl4pPr marL="1371600" indent="0">
+              <a:buNone/>
+              <a:defRPr sz="900"/>
+            </a:lvl4pPr>
+            <a:lvl5pPr marL="1828800" indent="0">
+              <a:buNone/>
+              <a:defRPr sz="900"/>
+            </a:lvl5pPr>
+            <a:lvl6pPr marL="2286000" indent="0">
+              <a:buNone/>
+              <a:defRPr sz="900"/>
+            </a:lvl6pPr>
+            <a:lvl7pPr marL="2743200" indent="0">
+              <a:buNone/>
+              <a:defRPr sz="900"/>
+            </a:lvl7pPr>
+            <a:lvl8pPr marL="3200400" indent="0">
+              <a:buNone/>
+              <a:defRPr sz="900"/>
+            </a:lvl8pPr>
+            <a:lvl9pPr marL="3657600" indent="0">
+              <a:buNone/>
+              <a:defRPr sz="900"/>
+            </a:lvl9pPr>
+          </a:lstStyle>
+          <a:p>
+            <a:pPr lvl="0"/>
+            <a:r>
+              <a:rPr lang="ko-KR" altLang="en-US"/>
+              <a:t>마스터 텍스트 스타일을 편집하려면 클릭</a:t>
+            </a:r>
+          </a:p>
+        </p:txBody>
+      </p:sp>
+      <p:sp>
+        <p:nvSpPr>
+          <p:cNvPr id="5" name="Date Placeholder 4"/>
+          <p:cNvSpPr>
+            <a:spLocks noGrp="1"/>
+          </p:cNvSpPr>
+          <p:nvPr>
+            <p:ph type="dt" sz="half" idx="10"/>
+          </p:nvPr>
+        </p:nvSpPr>
+        <p:spPr>
+          <a:xfrm>
+            <a:off x="465512" y="6459785"/>
+            <a:ext cx="2618510" cy="365125"/>
+          </a:xfrm>
+        </p:spPr>
+        <p:txBody>
+          <a:bodyPr/>
+          <a:lstStyle>
+            <a:lvl1pPr algn="l">
+              <a:defRPr/>
+            </a:lvl1pPr>
+          </a:lstStyle>
+          <a:p>
+            <a:fld id="{E97ACC99-C21C-4CB3-9BFF-A4E4E2EFB41A}" type="datetimeFigureOut">
+              <a:rPr lang="en-US" smtClean="0"/>
+              <a:t>12/13/2023</a:t>
+            </a:fld>
+            <a:endParaRPr lang="en-US"/>
+          </a:p>
+        </p:txBody>
+      </p:sp>
+      <p:sp>
+        <p:nvSpPr>
+          <p:cNvPr id="6" name="Footer Placeholder 5"/>
+          <p:cNvSpPr>
+            <a:spLocks noGrp="1"/>
+          </p:cNvSpPr>
+          <p:nvPr>
+            <p:ph type="ftr" sz="quarter" idx="11"/>
+          </p:nvPr>
+        </p:nvSpPr>
+        <p:spPr>
+          <a:xfrm>
+            <a:off x="4800600" y="6459785"/>
+            <a:ext cx="4648200" cy="365125"/>
+          </a:xfrm>
+        </p:spPr>
+        <p:txBody>
+          <a:bodyPr/>
+          <a:lstStyle>
+            <a:lvl1pPr algn="l">
+              <a:defRPr>
+                <a:solidFill>
+                  <a:schemeClr val="tx2"/>
+                </a:solidFill>
+              </a:defRPr>
+            </a:lvl1pPr>
+          </a:lstStyle>
+          <a:p>
+            <a:endParaRPr lang="en-US"/>
+          </a:p>
+        </p:txBody>
+      </p:sp>
+      <p:sp>
+        <p:nvSpPr>
+          <p:cNvPr id="7" name="Slide Number Placeholder 6"/>
+          <p:cNvSpPr>
+            <a:spLocks noGrp="1"/>
+          </p:cNvSpPr>
+          <p:nvPr>
+            <p:ph type="sldNum" sz="quarter" idx="12"/>
+          </p:nvPr>
+        </p:nvSpPr>
+        <p:spPr/>
         <p:txBody>
           <a:bodyPr/>
           <a:lstStyle>
             <a:lvl1pPr>
-              <a:defRPr sz="3200"/>
+              <a:defRPr>
+                <a:solidFill>
+                  <a:schemeClr val="tx2"/>
+                </a:solidFill>
+              </a:defRPr>
             </a:lvl1pPr>
-            <a:lvl2pPr>
-              <a:defRPr sz="2800"/>
-            </a:lvl2pPr>
-            <a:lvl3pPr>
-              <a:defRPr sz="2400"/>
-            </a:lvl3pPr>
-            <a:lvl4pPr>
-              <a:defRPr sz="2000"/>
-            </a:lvl4pPr>
-            <a:lvl5pPr>
-              <a:defRPr sz="2000"/>
-            </a:lvl5pPr>
-            <a:lvl6pPr>
-              <a:defRPr sz="2000"/>
-            </a:lvl6pPr>
-            <a:lvl7pPr>
-              <a:defRPr sz="2000"/>
-            </a:lvl7pPr>
-            <a:lvl8pPr>
-              <a:defRPr sz="2000"/>
-            </a:lvl8pPr>
-            <a:lvl9pPr>
-              <a:defRPr sz="2000"/>
-            </a:lvl9pPr>
           </a:lstStyle>
-          <a:p>
-            <a:pPr lvl="0"/>
-            <a:r>
-              <a:rPr lang="en-US"/>
-              <a:t>Click to edit Master text styles</a:t>
-            </a:r>
-          </a:p>
-          <a:p>
-            <a:pPr lvl="1"/>
-            <a:r>
-              <a:rPr lang="en-US"/>
-              <a:t>Second level</a:t>
-            </a:r>
-          </a:p>
-          <a:p>
-            <a:pPr lvl="2"/>
-            <a:r>
-              <a:rPr lang="en-US"/>
-              <a:t>Third level</a:t>
-            </a:r>
-          </a:p>
-          <a:p>
-            <a:pPr lvl="3"/>
-            <a:r>
-              <a:rPr lang="en-US"/>
-              <a:t>Fourth level</a:t>
-            </a:r>
-          </a:p>
-          <a:p>
-            <a:pPr lvl="4"/>
-            <a:r>
-              <a:rPr lang="en-US"/>
-              <a:t>Fifth level</a:t>
-            </a:r>
-          </a:p>
-        </p:txBody>
-      </p:sp>
-      <p:sp>
-        <p:nvSpPr>
-          <p:cNvPr id="4" name="Text Placeholder 3"/>
-          <p:cNvSpPr>
-            <a:spLocks noGrp="1"/>
-          </p:cNvSpPr>
-          <p:nvPr>
-            <p:ph type="body" sz="half" idx="2"/>
-          </p:nvPr>
-        </p:nvSpPr>
-        <p:spPr>
-          <a:xfrm>
-            <a:off x="839788" y="2057400"/>
-            <a:ext cx="3932237" cy="3811588"/>
-          </a:xfrm>
-        </p:spPr>
-        <p:txBody>
-          <a:bodyPr/>
-          <a:lstStyle>
-            <a:lvl1pPr marL="0" indent="0">
-              <a:buNone/>
-              <a:defRPr sz="1600"/>
-            </a:lvl1pPr>
-            <a:lvl2pPr marL="457200" indent="0">
-              <a:buNone/>
-              <a:defRPr sz="1400"/>
-            </a:lvl2pPr>
-            <a:lvl3pPr marL="914400" indent="0">
-              <a:buNone/>
-              <a:defRPr sz="1200"/>
-            </a:lvl3pPr>
-            <a:lvl4pPr marL="1371600" indent="0">
-              <a:buNone/>
-              <a:defRPr sz="1000"/>
-            </a:lvl4pPr>
-            <a:lvl5pPr marL="1828800" indent="0">
-              <a:buNone/>
-              <a:defRPr sz="1000"/>
-            </a:lvl5pPr>
-            <a:lvl6pPr marL="2286000" indent="0">
-              <a:buNone/>
-              <a:defRPr sz="1000"/>
-            </a:lvl6pPr>
-            <a:lvl7pPr marL="2743200" indent="0">
-              <a:buNone/>
-              <a:defRPr sz="1000"/>
-            </a:lvl7pPr>
-            <a:lvl8pPr marL="3200400" indent="0">
-              <a:buNone/>
-              <a:defRPr sz="1000"/>
-            </a:lvl8pPr>
-            <a:lvl9pPr marL="3657600" indent="0">
-              <a:buNone/>
-              <a:defRPr sz="1000"/>
-            </a:lvl9pPr>
-          </a:lstStyle>
-          <a:p>
-            <a:pPr lvl="0"/>
-            <a:r>
-              <a:rPr lang="en-US"/>
-              <a:t>Click to edit Master text styles</a:t>
-            </a:r>
-          </a:p>
-        </p:txBody>
-      </p:sp>
-      <p:sp>
-        <p:nvSpPr>
-          <p:cNvPr id="5" name="Date Placeholder 4"/>
-          <p:cNvSpPr>
-            <a:spLocks noGrp="1"/>
-          </p:cNvSpPr>
-          <p:nvPr>
-            <p:ph type="dt" sz="half" idx="10"/>
-          </p:nvPr>
-        </p:nvSpPr>
-        <p:spPr/>
-        <p:txBody>
-          <a:bodyPr/>
-          <a:lstStyle/>
-          <a:p>
-            <a:fld id="{E97ACC99-C21C-4CB3-9BFF-A4E4E2EFB41A}" type="datetimeFigureOut">
-              <a:rPr lang="en-US" smtClean="0"/>
-              <a:t>11/5/2023</a:t>
-            </a:fld>
-            <a:endParaRPr lang="en-US"/>
-          </a:p>
-        </p:txBody>
-      </p:sp>
-      <p:sp>
-        <p:nvSpPr>
-          <p:cNvPr id="6" name="Footer Placeholder 5"/>
-          <p:cNvSpPr>
-            <a:spLocks noGrp="1"/>
-          </p:cNvSpPr>
-          <p:nvPr>
-            <p:ph type="ftr" sz="quarter" idx="11"/>
-          </p:nvPr>
-        </p:nvSpPr>
-        <p:spPr/>
-        <p:txBody>
-          <a:bodyPr/>
-          <a:lstStyle/>
-          <a:p>
-            <a:endParaRPr lang="en-US"/>
-          </a:p>
-        </p:txBody>
-      </p:sp>
-      <p:sp>
-        <p:nvSpPr>
-          <p:cNvPr id="7" name="Slide Number Placeholder 6"/>
-          <p:cNvSpPr>
-            <a:spLocks noGrp="1"/>
-          </p:cNvSpPr>
-          <p:nvPr>
-            <p:ph type="sldNum" sz="quarter" idx="12"/>
-          </p:nvPr>
-        </p:nvSpPr>
-        <p:spPr/>
-        <p:txBody>
-          <a:bodyPr/>
-          <a:lstStyle/>
           <a:p>
             <a:fld id="{11675F69-7E5E-4C48-8BCD-C5AE84398322}" type="slidenum">
               <a:rPr lang="en-US" smtClean="0"/>
@@ -2131,7 +2684,7 @@
     </p:spTree>
     <p:extLst>
       <p:ext uri="{BB962C8B-B14F-4D97-AF65-F5344CB8AC3E}">
-        <p14:creationId xmlns:p14="http://schemas.microsoft.com/office/powerpoint/2010/main" val="3299421128"/>
+        <p14:creationId xmlns:p14="http://schemas.microsoft.com/office/powerpoint/2010/main" val="86880233"/>
       </p:ext>
     </p:extLst>
   </p:cSld>
@@ -2142,8 +2695,8 @@
 </file>
 
 <file path=ppt/slideLayouts/slideLayout9.xml><?xml version="1.0" encoding="utf-8"?>
-<p:sldLayout xmlns:a="http://schemas.openxmlformats.org/drawingml/2006/main" xmlns:r="http://schemas.openxmlformats.org/officeDocument/2006/relationships" xmlns:p="http://schemas.openxmlformats.org/presentationml/2006/main" type="picTx" preserve="1">
-  <p:cSld name="Picture with Caption">
+<p:sldLayout xmlns:a="http://schemas.openxmlformats.org/drawingml/2006/main" xmlns:r="http://schemas.openxmlformats.org/officeDocument/2006/relationships" xmlns:p="http://schemas.openxmlformats.org/presentationml/2006/main" showMasterSp="0" type="picTx" preserve="1">
+  <p:cSld name="캡션 있는 그림">
     <p:spTree>
       <p:nvGrpSpPr>
         <p:cNvPr id="1" name=""/>
@@ -2160,6 +2713,82 @@
       </p:grpSpPr>
       <p:sp>
         <p:nvSpPr>
+          <p:cNvPr id="8" name="Rectangle 7"/>
+          <p:cNvSpPr/>
+          <p:nvPr/>
+        </p:nvSpPr>
+        <p:spPr>
+          <a:xfrm>
+            <a:off x="0" y="4953000"/>
+            <a:ext cx="12188825" cy="1905000"/>
+          </a:xfrm>
+          <a:prstGeom prst="rect">
+            <a:avLst/>
+          </a:prstGeom>
+          <a:solidFill>
+            <a:schemeClr val="accent2"/>
+          </a:solidFill>
+          <a:ln>
+            <a:noFill/>
+          </a:ln>
+        </p:spPr>
+        <p:style>
+          <a:lnRef idx="2">
+            <a:schemeClr val="accent1">
+              <a:shade val="50000"/>
+            </a:schemeClr>
+          </a:lnRef>
+          <a:fillRef idx="1">
+            <a:schemeClr val="accent1"/>
+          </a:fillRef>
+          <a:effectRef idx="0">
+            <a:schemeClr val="accent1"/>
+          </a:effectRef>
+          <a:fontRef idx="minor">
+            <a:schemeClr val="lt1"/>
+          </a:fontRef>
+        </p:style>
+      </p:sp>
+      <p:sp>
+        <p:nvSpPr>
+          <p:cNvPr id="9" name="Rectangle 8"/>
+          <p:cNvSpPr/>
+          <p:nvPr/>
+        </p:nvSpPr>
+        <p:spPr>
+          <a:xfrm>
+            <a:off x="15" y="4915076"/>
+            <a:ext cx="12188825" cy="64008"/>
+          </a:xfrm>
+          <a:prstGeom prst="rect">
+            <a:avLst/>
+          </a:prstGeom>
+          <a:solidFill>
+            <a:schemeClr val="accent1"/>
+          </a:solidFill>
+          <a:ln>
+            <a:noFill/>
+          </a:ln>
+        </p:spPr>
+        <p:style>
+          <a:lnRef idx="2">
+            <a:schemeClr val="accent1">
+              <a:shade val="50000"/>
+            </a:schemeClr>
+          </a:lnRef>
+          <a:fillRef idx="1">
+            <a:schemeClr val="accent1"/>
+          </a:fillRef>
+          <a:effectRef idx="0">
+            <a:schemeClr val="accent1"/>
+          </a:effectRef>
+          <a:fontRef idx="minor">
+            <a:schemeClr val="lt1"/>
+          </a:fontRef>
+        </p:style>
+      </p:sp>
+      <p:sp>
+        <p:nvSpPr>
           <p:cNvPr id="2" name="Title 1"/>
           <p:cNvSpPr>
             <a:spLocks noGrp="1"/>
@@ -2170,22 +2799,29 @@
         </p:nvSpPr>
         <p:spPr>
           <a:xfrm>
-            <a:off x="839788" y="457200"/>
-            <a:ext cx="3932237" cy="1600200"/>
-          </a:xfrm>
-        </p:spPr>
-        <p:txBody>
-          <a:bodyPr anchor="b"/>
+            <a:off x="1097280" y="5074920"/>
+            <a:ext cx="10113645" cy="822960"/>
+          </a:xfrm>
+        </p:spPr>
+        <p:txBody>
+          <a:bodyPr tIns="0" bIns="0" anchor="b">
+            <a:noAutofit/>
+          </a:bodyPr>
           <a:lstStyle>
             <a:lvl1pPr>
-              <a:defRPr sz="3200"/>
+              <a:defRPr sz="3600" b="0">
+                <a:solidFill>
+                  <a:srgbClr val="FFFFFF"/>
+                </a:solidFill>
+              </a:defRPr>
             </a:lvl1pPr>
           </a:lstStyle>
           <a:p>
             <a:r>
-              <a:rPr lang="en-US"/>
-              <a:t>Click to edit Master title style</a:t>
-            </a:r>
+              <a:rPr lang="ko-KR" altLang="en-US"/>
+              <a:t>마스터 제목 스타일 편집</a:t>
+            </a:r>
+            <a:endParaRPr lang="en-US" dirty="0"/>
           </a:p>
         </p:txBody>
       </p:sp>
@@ -2193,7 +2829,7 @@
         <p:nvSpPr>
           <p:cNvPr id="3" name="Picture Placeholder 2"/>
           <p:cNvSpPr>
-            <a:spLocks noGrp="1"/>
+            <a:spLocks noGrp="1" noChangeAspect="1"/>
           </p:cNvSpPr>
           <p:nvPr>
             <p:ph type="pic" idx="1"/>
@@ -2201,12 +2837,17 @@
         </p:nvSpPr>
         <p:spPr>
           <a:xfrm>
-            <a:off x="5183188" y="987425"/>
-            <a:ext cx="6172200" cy="4873625"/>
-          </a:xfrm>
-        </p:spPr>
-        <p:txBody>
-          <a:bodyPr/>
+            <a:off x="15" y="0"/>
+            <a:ext cx="12191985" cy="4915076"/>
+          </a:xfrm>
+          <a:solidFill>
+            <a:schemeClr val="bg2">
+              <a:lumMod val="90000"/>
+            </a:schemeClr>
+          </a:solidFill>
+        </p:spPr>
+        <p:txBody>
+          <a:bodyPr lIns="457200" tIns="457200" anchor="t"/>
           <a:lstStyle>
             <a:lvl1pPr marL="0" indent="0">
               <a:buNone/>
@@ -2246,7 +2887,11 @@
             </a:lvl9pPr>
           </a:lstStyle>
           <a:p>
-            <a:endParaRPr lang="en-US"/>
+            <a:r>
+              <a:rPr lang="ko-KR" altLang="en-US"/>
+              <a:t>그림을 추가하려면 아이콘을 클릭하십시오</a:t>
+            </a:r>
+            <a:endParaRPr lang="en-US" dirty="0"/>
           </a:p>
         </p:txBody>
       </p:sp>
@@ -2262,55 +2907,67 @@
         </p:nvSpPr>
         <p:spPr>
           <a:xfrm>
-            <a:off x="839788" y="2057400"/>
-            <a:ext cx="3932237" cy="3811588"/>
-          </a:xfrm>
-        </p:spPr>
-        <p:txBody>
-          <a:bodyPr/>
+            <a:off x="1097280" y="5907024"/>
+            <a:ext cx="10113264" cy="594360"/>
+          </a:xfrm>
+        </p:spPr>
+        <p:txBody>
+          <a:bodyPr lIns="91440" tIns="0" rIns="91440" bIns="0">
+            <a:normAutofit/>
+          </a:bodyPr>
           <a:lstStyle>
             <a:lvl1pPr marL="0" indent="0">
-              <a:buNone/>
-              <a:defRPr sz="1600"/>
+              <a:spcBef>
+                <a:spcPts val="0"/>
+              </a:spcBef>
+              <a:spcAft>
+                <a:spcPts val="600"/>
+              </a:spcAft>
+              <a:buNone/>
+              <a:defRPr sz="1500">
+                <a:solidFill>
+                  <a:srgbClr val="FFFFFF"/>
+                </a:solidFill>
+              </a:defRPr>
             </a:lvl1pPr>
             <a:lvl2pPr marL="457200" indent="0">
               <a:buNone/>
-              <a:defRPr sz="1400"/>
+              <a:defRPr sz="1200"/>
             </a:lvl2pPr>
             <a:lvl3pPr marL="914400" indent="0">
               <a:buNone/>
-              <a:defRPr sz="1200"/>
+              <a:defRPr sz="1000"/>
             </a:lvl3pPr>
             <a:lvl4pPr marL="1371600" indent="0">
               <a:buNone/>
-              <a:defRPr sz="1000"/>
+              <a:defRPr sz="900"/>
             </a:lvl4pPr>
             <a:lvl5pPr marL="1828800" indent="0">
               <a:buNone/>
-              <a:defRPr sz="1000"/>
+              <a:defRPr sz="900"/>
             </a:lvl5pPr>
             <a:lvl6pPr marL="2286000" indent="0">
               <a:buNone/>
-              <a:defRPr sz="1000"/>
+              <a:defRPr sz="900"/>
             </a:lvl6pPr>
             <a:lvl7pPr marL="2743200" indent="0">
               <a:buNone/>
-              <a:defRPr sz="1000"/>
+              <a:defRPr sz="900"/>
             </a:lvl7pPr>
             <a:lvl8pPr marL="3200400" indent="0">
               <a:buNone/>
-              <a:defRPr sz="1000"/>
+              <a:defRPr sz="900"/>
             </a:lvl8pPr>
             <a:lvl9pPr marL="3657600" indent="0">
               <a:buNone/>
-              <a:defRPr sz="1000"/>
+              <a:defRPr sz="900"/>
             </a:lvl9pPr>
           </a:lstStyle>
           <a:p>
             <a:pPr lvl="0"/>
             <a:r>
-              <a:rPr lang="en-US"/>
-              <a:t>Click to edit Master text styles</a:t>
+              <a:rPr lang="ko-KR" altLang="en-US"/>
+              <a:t>마스터 텍스트 스타일을 편집하려면 클릭</a:t>
             </a:r>
           </a:p>
         </p:txBody>
@@ -2332,7 +2989,7 @@
           <a:p>
             <a:fld id="{E97ACC99-C21C-4CB3-9BFF-A4E4E2EFB41A}" type="datetimeFigureOut">
               <a:rPr lang="en-US" smtClean="0"/>
-              <a:t>11/5/2023</a:t>
+              <a:t>12/13/2023</a:t>
             </a:fld>
             <a:endParaRPr lang="en-US"/>
           </a:p>
@@ -2383,7 +3040,7 @@
     </p:spTree>
     <p:extLst>
       <p:ext uri="{BB962C8B-B14F-4D97-AF65-F5344CB8AC3E}">
-        <p14:creationId xmlns:p14="http://schemas.microsoft.com/office/powerpoint/2010/main" val="2369666463"/>
+        <p14:creationId xmlns:p14="http://schemas.microsoft.com/office/powerpoint/2010/main" val="232698220"/>
       </p:ext>
     </p:extLst>
   </p:cSld>
@@ -2417,125 +3074,201 @@
       </p:grpSpPr>
       <p:sp>
         <p:nvSpPr>
-          <p:cNvPr id="2" name="Title Placeholder 1"/>
-          <p:cNvSpPr>
-            <a:spLocks noGrp="1"/>
-          </p:cNvSpPr>
-          <p:nvPr>
-            <p:ph type="title"/>
-          </p:nvPr>
-        </p:nvSpPr>
-        <p:spPr>
-          <a:xfrm>
-            <a:off x="838200" y="365125"/>
-            <a:ext cx="10515600" cy="1325563"/>
+          <p:cNvPr id="7" name="Rectangle 6"/>
+          <p:cNvSpPr/>
+          <p:nvPr/>
+        </p:nvSpPr>
+        <p:spPr>
+          <a:xfrm>
+            <a:off x="3175" y="6400800"/>
+            <a:ext cx="12188825" cy="457200"/>
           </a:xfrm>
           <a:prstGeom prst="rect">
             <a:avLst/>
           </a:prstGeom>
-        </p:spPr>
-        <p:txBody>
-          <a:bodyPr vert="horz" lIns="91440" tIns="45720" rIns="91440" bIns="45720" rtlCol="0" anchor="ctr">
-            <a:normAutofit/>
-          </a:bodyPr>
-          <a:lstStyle/>
-          <a:p>
-            <a:r>
-              <a:rPr lang="en-US"/>
-              <a:t>Click to edit Master title style</a:t>
-            </a:r>
-          </a:p>
-        </p:txBody>
-      </p:sp>
-      <p:sp>
-        <p:nvSpPr>
-          <p:cNvPr id="3" name="Text Placeholder 2"/>
-          <p:cNvSpPr>
-            <a:spLocks noGrp="1"/>
-          </p:cNvSpPr>
-          <p:nvPr>
-            <p:ph type="body" idx="1"/>
-          </p:nvPr>
-        </p:nvSpPr>
-        <p:spPr>
-          <a:xfrm>
-            <a:off x="838200" y="1825625"/>
-            <a:ext cx="10515600" cy="4351338"/>
+          <a:solidFill>
+            <a:schemeClr val="accent2"/>
+          </a:solidFill>
+          <a:ln>
+            <a:noFill/>
+          </a:ln>
+        </p:spPr>
+        <p:style>
+          <a:lnRef idx="2">
+            <a:schemeClr val="accent1">
+              <a:shade val="50000"/>
+            </a:schemeClr>
+          </a:lnRef>
+          <a:fillRef idx="1">
+            <a:schemeClr val="accent1"/>
+          </a:fillRef>
+          <a:effectRef idx="0">
+            <a:schemeClr val="accent1"/>
+          </a:effectRef>
+          <a:fontRef idx="minor">
+            <a:schemeClr val="lt1"/>
+          </a:fontRef>
+        </p:style>
+      </p:sp>
+      <p:sp>
+        <p:nvSpPr>
+          <p:cNvPr id="9" name="Rectangle 8"/>
+          <p:cNvSpPr/>
+          <p:nvPr/>
+        </p:nvSpPr>
+        <p:spPr>
+          <a:xfrm>
+            <a:off x="15" y="6334316"/>
+            <a:ext cx="12188825" cy="64008"/>
           </a:xfrm>
           <a:prstGeom prst="rect">
             <a:avLst/>
           </a:prstGeom>
-        </p:spPr>
-        <p:txBody>
-          <a:bodyPr vert="horz" lIns="91440" tIns="45720" rIns="91440" bIns="45720" rtlCol="0">
-            <a:normAutofit/>
-          </a:bodyPr>
-          <a:lstStyle/>
-          <a:p>
-            <a:pPr lvl="0"/>
-            <a:r>
-              <a:rPr lang="en-US"/>
-              <a:t>Click to edit Master text styles</a:t>
-            </a:r>
-          </a:p>
-          <a:p>
-            <a:pPr lvl="1"/>
-            <a:r>
-              <a:rPr lang="en-US"/>
-              <a:t>Second level</a:t>
-            </a:r>
-          </a:p>
-          <a:p>
-            <a:pPr lvl="2"/>
-            <a:r>
-              <a:rPr lang="en-US"/>
-              <a:t>Third level</a:t>
-            </a:r>
-          </a:p>
-          <a:p>
-            <a:pPr lvl="3"/>
-            <a:r>
-              <a:rPr lang="en-US"/>
-              <a:t>Fourth level</a:t>
-            </a:r>
-          </a:p>
-          <a:p>
-            <a:pPr lvl="4"/>
-            <a:r>
-              <a:rPr lang="en-US"/>
-              <a:t>Fifth level</a:t>
-            </a:r>
-          </a:p>
-        </p:txBody>
-      </p:sp>
-      <p:sp>
-        <p:nvSpPr>
-          <p:cNvPr id="4" name="Date Placeholder 3"/>
-          <p:cNvSpPr>
-            <a:spLocks noGrp="1"/>
-          </p:cNvSpPr>
-          <p:nvPr>
-            <p:ph type="dt" sz="half" idx="2"/>
-          </p:nvPr>
-        </p:nvSpPr>
-        <p:spPr>
-          <a:xfrm>
-            <a:off x="838200" y="6356350"/>
-            <a:ext cx="2743200" cy="365125"/>
+          <a:solidFill>
+            <a:schemeClr val="accent1"/>
+          </a:solidFill>
+          <a:ln>
+            <a:noFill/>
+          </a:ln>
+        </p:spPr>
+        <p:style>
+          <a:lnRef idx="2">
+            <a:schemeClr val="accent1">
+              <a:shade val="50000"/>
+            </a:schemeClr>
+          </a:lnRef>
+          <a:fillRef idx="1">
+            <a:schemeClr val="accent1"/>
+          </a:fillRef>
+          <a:effectRef idx="0">
+            <a:schemeClr val="accent1"/>
+          </a:effectRef>
+          <a:fontRef idx="minor">
+            <a:schemeClr val="lt1"/>
+          </a:fontRef>
+        </p:style>
+      </p:sp>
+      <p:sp>
+        <p:nvSpPr>
+          <p:cNvPr id="2" name="Title Placeholder 1"/>
+          <p:cNvSpPr>
+            <a:spLocks noGrp="1"/>
+          </p:cNvSpPr>
+          <p:nvPr>
+            <p:ph type="title"/>
+          </p:nvPr>
+        </p:nvSpPr>
+        <p:spPr>
+          <a:xfrm>
+            <a:off x="1097280" y="286603"/>
+            <a:ext cx="10058400" cy="1450757"/>
           </a:xfrm>
           <a:prstGeom prst="rect">
             <a:avLst/>
           </a:prstGeom>
         </p:spPr>
         <p:txBody>
+          <a:bodyPr vert="horz" lIns="91440" tIns="45720" rIns="91440" bIns="45720" rtlCol="0" anchor="b">
+            <a:normAutofit/>
+          </a:bodyPr>
+          <a:lstStyle/>
+          <a:p>
+            <a:r>
+              <a:rPr lang="ko-KR" altLang="en-US"/>
+              <a:t>마스터 제목 스타일 편집</a:t>
+            </a:r>
+            <a:endParaRPr lang="en-US" dirty="0"/>
+          </a:p>
+        </p:txBody>
+      </p:sp>
+      <p:sp>
+        <p:nvSpPr>
+          <p:cNvPr id="3" name="Text Placeholder 2"/>
+          <p:cNvSpPr>
+            <a:spLocks noGrp="1"/>
+          </p:cNvSpPr>
+          <p:nvPr>
+            <p:ph type="body" idx="1"/>
+          </p:nvPr>
+        </p:nvSpPr>
+        <p:spPr>
+          <a:xfrm>
+            <a:off x="1097280" y="1845734"/>
+            <a:ext cx="10058400" cy="4023360"/>
+          </a:xfrm>
+          <a:prstGeom prst="rect">
+            <a:avLst/>
+          </a:prstGeom>
+        </p:spPr>
+        <p:txBody>
+          <a:bodyPr vert="horz" lIns="0" tIns="45720" rIns="0" bIns="45720" rtlCol="0">
+            <a:normAutofit/>
+          </a:bodyPr>
+          <a:lstStyle/>
+          <a:p>
+            <a:pPr lvl="0"/>
+            <a:r>
+              <a:rPr lang="ko-KR" altLang="en-US"/>
+              <a:t>마스터 텍스트 스타일을 편집하려면 클릭</a:t>
+            </a:r>
+          </a:p>
+          <a:p>
+            <a:pPr lvl="1"/>
+            <a:r>
+              <a:rPr lang="ko-KR" altLang="en-US"/>
+              <a:t>두 번째 수준</a:t>
+            </a:r>
+          </a:p>
+          <a:p>
+            <a:pPr lvl="2"/>
+            <a:r>
+              <a:rPr lang="ko-KR" altLang="en-US"/>
+              <a:t>세 번째 수준</a:t>
+            </a:r>
+          </a:p>
+          <a:p>
+            <a:pPr lvl="3"/>
+            <a:r>
+              <a:rPr lang="ko-KR" altLang="en-US"/>
+              <a:t>네 번째 수준</a:t>
+            </a:r>
+          </a:p>
+          <a:p>
+            <a:pPr lvl="4"/>
+            <a:r>
+              <a:rPr lang="ko-KR" altLang="en-US"/>
+              <a:t>다섯 번째 수준</a:t>
+            </a:r>
+            <a:endParaRPr lang="en-US" dirty="0"/>
+          </a:p>
+        </p:txBody>
+      </p:sp>
+      <p:sp>
+        <p:nvSpPr>
+          <p:cNvPr id="4" name="Date Placeholder 3"/>
+          <p:cNvSpPr>
+            <a:spLocks noGrp="1"/>
+          </p:cNvSpPr>
+          <p:nvPr>
+            <p:ph type="dt" sz="half" idx="2"/>
+          </p:nvPr>
+        </p:nvSpPr>
+        <p:spPr>
+          <a:xfrm>
+            <a:off x="1097280" y="6459785"/>
+            <a:ext cx="2472271" cy="365125"/>
+          </a:xfrm>
+          <a:prstGeom prst="rect">
+            <a:avLst/>
+          </a:prstGeom>
+        </p:spPr>
+        <p:txBody>
           <a:bodyPr vert="horz" lIns="91440" tIns="45720" rIns="91440" bIns="45720" rtlCol="0" anchor="ctr"/>
           <a:lstStyle>
             <a:lvl1pPr algn="l">
-              <a:defRPr sz="1200">
+              <a:defRPr sz="900">
                 <a:solidFill>
-                  <a:schemeClr val="tx1">
-                    <a:tint val="75000"/>
-                  </a:schemeClr>
+                  <a:srgbClr val="FFFFFF"/>
                 </a:solidFill>
               </a:defRPr>
             </a:lvl1pPr>
@@ -2543,7 +3276,7 @@
           <a:p>
             <a:fld id="{E97ACC99-C21C-4CB3-9BFF-A4E4E2EFB41A}" type="datetimeFigureOut">
               <a:rPr lang="en-US" smtClean="0"/>
-              <a:t>11/5/2023</a:t>
+              <a:t>12/13/2023</a:t>
             </a:fld>
             <a:endParaRPr lang="en-US"/>
           </a:p>
@@ -2561,8 +3294,8 @@
         </p:nvSpPr>
         <p:spPr>
           <a:xfrm>
-            <a:off x="4038600" y="6356350"/>
-            <a:ext cx="4114800" cy="365125"/>
+            <a:off x="3686185" y="6459785"/>
+            <a:ext cx="4822804" cy="365125"/>
           </a:xfrm>
           <a:prstGeom prst="rect">
             <a:avLst/>
@@ -2572,11 +3305,9 @@
           <a:bodyPr vert="horz" lIns="91440" tIns="45720" rIns="91440" bIns="45720" rtlCol="0" anchor="ctr"/>
           <a:lstStyle>
             <a:lvl1pPr algn="ctr">
-              <a:defRPr sz="1200">
+              <a:defRPr sz="900" cap="all" baseline="0">
                 <a:solidFill>
-                  <a:schemeClr val="tx1">
-                    <a:tint val="75000"/>
-                  </a:schemeClr>
+                  <a:srgbClr val="FFFFFF"/>
                 </a:solidFill>
               </a:defRPr>
             </a:lvl1pPr>
@@ -2598,8 +3329,8 @@
         </p:nvSpPr>
         <p:spPr>
           <a:xfrm>
-            <a:off x="8610600" y="6356350"/>
-            <a:ext cx="2743200" cy="365125"/>
+            <a:off x="9900458" y="6459785"/>
+            <a:ext cx="1312025" cy="365125"/>
           </a:xfrm>
           <a:prstGeom prst="rect">
             <a:avLst/>
@@ -2609,11 +3340,9 @@
           <a:bodyPr vert="horz" lIns="91440" tIns="45720" rIns="91440" bIns="45720" rtlCol="0" anchor="ctr"/>
           <a:lstStyle>
             <a:lvl1pPr algn="r">
-              <a:defRPr sz="1200">
+              <a:defRPr sz="1050">
                 <a:solidFill>
-                  <a:schemeClr val="tx1">
-                    <a:tint val="75000"/>
-                  </a:schemeClr>
+                  <a:srgbClr val="FFFFFF"/>
                 </a:solidFill>
               </a:defRPr>
             </a:lvl1pPr>
@@ -2627,40 +3356,81 @@
           </a:p>
         </p:txBody>
       </p:sp>
+      <p:cxnSp>
+        <p:nvCxnSpPr>
+          <p:cNvPr id="10" name="Straight Connector 9"/>
+          <p:cNvCxnSpPr/>
+          <p:nvPr/>
+        </p:nvCxnSpPr>
+        <p:spPr>
+          <a:xfrm>
+            <a:off x="1193532" y="1737845"/>
+            <a:ext cx="9966960" cy="0"/>
+          </a:xfrm>
+          <a:prstGeom prst="line">
+            <a:avLst/>
+          </a:prstGeom>
+          <a:ln w="6350">
+            <a:solidFill>
+              <a:schemeClr val="tx1">
+                <a:lumMod val="50000"/>
+                <a:lumOff val="50000"/>
+              </a:schemeClr>
+            </a:solidFill>
+          </a:ln>
+        </p:spPr>
+        <p:style>
+          <a:lnRef idx="1">
+            <a:schemeClr val="accent1"/>
+          </a:lnRef>
+          <a:fillRef idx="0">
+            <a:schemeClr val="accent1"/>
+          </a:fillRef>
+          <a:effectRef idx="0">
+            <a:schemeClr val="accent1"/>
+          </a:effectRef>
+          <a:fontRef idx="minor">
+            <a:schemeClr val="tx1"/>
+          </a:fontRef>
+        </p:style>
+      </p:cxnSp>
     </p:spTree>
     <p:extLst>
       <p:ext uri="{BB962C8B-B14F-4D97-AF65-F5344CB8AC3E}">
-        <p14:creationId xmlns:p14="http://schemas.microsoft.com/office/powerpoint/2010/main" val="1104321671"/>
+        <p14:creationId xmlns:p14="http://schemas.microsoft.com/office/powerpoint/2010/main" val="2685490991"/>
       </p:ext>
     </p:extLst>
   </p:cSld>
   <p:clrMap bg1="lt1" tx1="dk1" bg2="lt2" tx2="dk2" accent1="accent1" accent2="accent2" accent3="accent3" accent4="accent4" accent5="accent5" accent6="accent6" hlink="hlink" folHlink="folHlink"/>
   <p:sldLayoutIdLst>
-    <p:sldLayoutId id="2147483649" r:id="rId1"/>
-    <p:sldLayoutId id="2147483650" r:id="rId2"/>
-    <p:sldLayoutId id="2147483651" r:id="rId3"/>
-    <p:sldLayoutId id="2147483652" r:id="rId4"/>
-    <p:sldLayoutId id="2147483653" r:id="rId5"/>
-    <p:sldLayoutId id="2147483654" r:id="rId6"/>
-    <p:sldLayoutId id="2147483655" r:id="rId7"/>
-    <p:sldLayoutId id="2147483656" r:id="rId8"/>
-    <p:sldLayoutId id="2147483657" r:id="rId9"/>
-    <p:sldLayoutId id="2147483658" r:id="rId10"/>
-    <p:sldLayoutId id="2147483659" r:id="rId11"/>
+    <p:sldLayoutId id="2147483697" r:id="rId1"/>
+    <p:sldLayoutId id="2147483698" r:id="rId2"/>
+    <p:sldLayoutId id="2147483699" r:id="rId3"/>
+    <p:sldLayoutId id="2147483700" r:id="rId4"/>
+    <p:sldLayoutId id="2147483701" r:id="rId5"/>
+    <p:sldLayoutId id="2147483702" r:id="rId6"/>
+    <p:sldLayoutId id="2147483703" r:id="rId7"/>
+    <p:sldLayoutId id="2147483704" r:id="rId8"/>
+    <p:sldLayoutId id="2147483705" r:id="rId9"/>
+    <p:sldLayoutId id="2147483706" r:id="rId10"/>
+    <p:sldLayoutId id="2147483707" r:id="rId11"/>
   </p:sldLayoutIdLst>
   <p:txStyles>
     <p:titleStyle>
-      <a:lvl1pPr algn="l" defTabSz="914400" rtl="0" eaLnBrk="1" latinLnBrk="0" hangingPunct="1">
+      <a:lvl1pPr algn="l" defTabSz="914400" rtl="0" eaLnBrk="1" latinLnBrk="1" hangingPunct="1">
         <a:lnSpc>
-          <a:spcPct val="90000"/>
+          <a:spcPct val="85000"/>
         </a:lnSpc>
         <a:spcBef>
           <a:spcPct val="0"/>
         </a:spcBef>
         <a:buNone/>
-        <a:defRPr sz="4400" kern="1200">
+        <a:defRPr sz="4800" kern="1200" spc="-50" baseline="0">
           <a:solidFill>
-            <a:schemeClr val="tx1"/>
+            <a:schemeClr val="tx1">
+              <a:lumMod val="75000"/>
+              <a:lumOff val="25000"/>
+            </a:schemeClr>
           </a:solidFill>
           <a:latin typeface="+mj-lt"/>
           <a:ea typeface="+mj-ea"/>
@@ -2669,162 +3439,244 @@
       </a:lvl1pPr>
     </p:titleStyle>
     <p:bodyStyle>
-      <a:lvl1pPr marL="228600" indent="-228600" algn="l" defTabSz="914400" rtl="0" eaLnBrk="1" latinLnBrk="0" hangingPunct="1">
+      <a:lvl1pPr marL="91440" indent="-91440" algn="l" defTabSz="914400" rtl="0" eaLnBrk="1" latinLnBrk="1" hangingPunct="1">
         <a:lnSpc>
           <a:spcPct val="90000"/>
         </a:lnSpc>
         <a:spcBef>
-          <a:spcPts val="1000"/>
+          <a:spcPts val="1200"/>
         </a:spcBef>
-        <a:buFont typeface="Arial" panose="020B0604020202020204" pitchFamily="34" charset="0"/>
-        <a:buChar char="•"/>
-        <a:defRPr sz="2800" kern="1200">
+        <a:spcAft>
+          <a:spcPts val="200"/>
+        </a:spcAft>
+        <a:buClr>
+          <a:schemeClr val="accent1"/>
+        </a:buClr>
+        <a:buSzPct val="100000"/>
+        <a:buFont typeface="Calibri" panose="020F0502020204030204" pitchFamily="34" charset="0"/>
+        <a:buChar char=" "/>
+        <a:defRPr sz="2000" kern="1200">
           <a:solidFill>
-            <a:schemeClr val="tx1"/>
+            <a:schemeClr val="tx1">
+              <a:lumMod val="75000"/>
+              <a:lumOff val="25000"/>
+            </a:schemeClr>
           </a:solidFill>
           <a:latin typeface="+mn-lt"/>
           <a:ea typeface="+mn-ea"/>
           <a:cs typeface="+mn-cs"/>
         </a:defRPr>
       </a:lvl1pPr>
-      <a:lvl2pPr marL="685800" indent="-228600" algn="l" defTabSz="914400" rtl="0" eaLnBrk="1" latinLnBrk="0" hangingPunct="1">
+      <a:lvl2pPr marL="384048" indent="-182880" algn="l" defTabSz="914400" rtl="0" eaLnBrk="1" latinLnBrk="1" hangingPunct="1">
         <a:lnSpc>
           <a:spcPct val="90000"/>
         </a:lnSpc>
         <a:spcBef>
-          <a:spcPts val="500"/>
+          <a:spcPts val="200"/>
         </a:spcBef>
-        <a:buFont typeface="Arial" panose="020B0604020202020204" pitchFamily="34" charset="0"/>
-        <a:buChar char="•"/>
-        <a:defRPr sz="2400" kern="1200">
+        <a:spcAft>
+          <a:spcPts val="400"/>
+        </a:spcAft>
+        <a:buClr>
+          <a:schemeClr val="accent1"/>
+        </a:buClr>
+        <a:buFont typeface="Calibri" pitchFamily="34" charset="0"/>
+        <a:buChar char="◦"/>
+        <a:defRPr sz="1800" kern="1200">
           <a:solidFill>
-            <a:schemeClr val="tx1"/>
+            <a:schemeClr val="tx1">
+              <a:lumMod val="75000"/>
+              <a:lumOff val="25000"/>
+            </a:schemeClr>
           </a:solidFill>
           <a:latin typeface="+mn-lt"/>
           <a:ea typeface="+mn-ea"/>
           <a:cs typeface="+mn-cs"/>
         </a:defRPr>
       </a:lvl2pPr>
-      <a:lvl3pPr marL="1143000" indent="-228600" algn="l" defTabSz="914400" rtl="0" eaLnBrk="1" latinLnBrk="0" hangingPunct="1">
+      <a:lvl3pPr marL="566928" indent="-182880" algn="l" defTabSz="914400" rtl="0" eaLnBrk="1" latinLnBrk="1" hangingPunct="1">
         <a:lnSpc>
           <a:spcPct val="90000"/>
         </a:lnSpc>
         <a:spcBef>
-          <a:spcPts val="500"/>
+          <a:spcPts val="200"/>
         </a:spcBef>
-        <a:buFont typeface="Arial" panose="020B0604020202020204" pitchFamily="34" charset="0"/>
-        <a:buChar char="•"/>
-        <a:defRPr sz="2000" kern="1200">
+        <a:spcAft>
+          <a:spcPts val="400"/>
+        </a:spcAft>
+        <a:buClr>
+          <a:schemeClr val="accent1"/>
+        </a:buClr>
+        <a:buFont typeface="Calibri" pitchFamily="34" charset="0"/>
+        <a:buChar char="◦"/>
+        <a:defRPr sz="1400" kern="1200">
           <a:solidFill>
-            <a:schemeClr val="tx1"/>
+            <a:schemeClr val="tx1">
+              <a:lumMod val="75000"/>
+              <a:lumOff val="25000"/>
+            </a:schemeClr>
           </a:solidFill>
           <a:latin typeface="+mn-lt"/>
           <a:ea typeface="+mn-ea"/>
           <a:cs typeface="+mn-cs"/>
         </a:defRPr>
       </a:lvl3pPr>
-      <a:lvl4pPr marL="1600200" indent="-228600" algn="l" defTabSz="914400" rtl="0" eaLnBrk="1" latinLnBrk="0" hangingPunct="1">
+      <a:lvl4pPr marL="749808" indent="-182880" algn="l" defTabSz="914400" rtl="0" eaLnBrk="1" latinLnBrk="1" hangingPunct="1">
         <a:lnSpc>
           <a:spcPct val="90000"/>
         </a:lnSpc>
         <a:spcBef>
-          <a:spcPts val="500"/>
+          <a:spcPts val="200"/>
         </a:spcBef>
-        <a:buFont typeface="Arial" panose="020B0604020202020204" pitchFamily="34" charset="0"/>
-        <a:buChar char="•"/>
-        <a:defRPr sz="1800" kern="1200">
+        <a:spcAft>
+          <a:spcPts val="400"/>
+        </a:spcAft>
+        <a:buClr>
+          <a:schemeClr val="accent1"/>
+        </a:buClr>
+        <a:buFont typeface="Calibri" pitchFamily="34" charset="0"/>
+        <a:buChar char="◦"/>
+        <a:defRPr sz="1400" kern="1200">
           <a:solidFill>
-            <a:schemeClr val="tx1"/>
+            <a:schemeClr val="tx1">
+              <a:lumMod val="75000"/>
+              <a:lumOff val="25000"/>
+            </a:schemeClr>
           </a:solidFill>
           <a:latin typeface="+mn-lt"/>
           <a:ea typeface="+mn-ea"/>
           <a:cs typeface="+mn-cs"/>
         </a:defRPr>
       </a:lvl4pPr>
-      <a:lvl5pPr marL="2057400" indent="-228600" algn="l" defTabSz="914400" rtl="0" eaLnBrk="1" latinLnBrk="0" hangingPunct="1">
+      <a:lvl5pPr marL="932688" indent="-182880" algn="l" defTabSz="914400" rtl="0" eaLnBrk="1" latinLnBrk="1" hangingPunct="1">
         <a:lnSpc>
           <a:spcPct val="90000"/>
         </a:lnSpc>
         <a:spcBef>
-          <a:spcPts val="500"/>
+          <a:spcPts val="200"/>
         </a:spcBef>
-        <a:buFont typeface="Arial" panose="020B0604020202020204" pitchFamily="34" charset="0"/>
-        <a:buChar char="•"/>
-        <a:defRPr sz="1800" kern="1200">
+        <a:spcAft>
+          <a:spcPts val="400"/>
+        </a:spcAft>
+        <a:buClr>
+          <a:schemeClr val="accent1"/>
+        </a:buClr>
+        <a:buFont typeface="Calibri" pitchFamily="34" charset="0"/>
+        <a:buChar char="◦"/>
+        <a:defRPr sz="1400" kern="1200">
           <a:solidFill>
-            <a:schemeClr val="tx1"/>
+            <a:schemeClr val="tx1">
+              <a:lumMod val="75000"/>
+              <a:lumOff val="25000"/>
+            </a:schemeClr>
           </a:solidFill>
           <a:latin typeface="+mn-lt"/>
           <a:ea typeface="+mn-ea"/>
           <a:cs typeface="+mn-cs"/>
         </a:defRPr>
       </a:lvl5pPr>
-      <a:lvl6pPr marL="2514600" indent="-228600" algn="l" defTabSz="914400" rtl="0" eaLnBrk="1" latinLnBrk="0" hangingPunct="1">
+      <a:lvl6pPr marL="1100000" indent="-228600" algn="l" defTabSz="914400" rtl="0" eaLnBrk="1" latinLnBrk="1" hangingPunct="1">
         <a:lnSpc>
           <a:spcPct val="90000"/>
         </a:lnSpc>
         <a:spcBef>
-          <a:spcPts val="500"/>
+          <a:spcPts val="200"/>
         </a:spcBef>
-        <a:buFont typeface="Arial" panose="020B0604020202020204" pitchFamily="34" charset="0"/>
-        <a:buChar char="•"/>
-        <a:defRPr sz="1800" kern="1200">
+        <a:spcAft>
+          <a:spcPts val="400"/>
+        </a:spcAft>
+        <a:buClr>
+          <a:schemeClr val="accent1"/>
+        </a:buClr>
+        <a:buFont typeface="Calibri" pitchFamily="34" charset="0"/>
+        <a:buChar char="◦"/>
+        <a:defRPr sz="1400" kern="1200">
           <a:solidFill>
-            <a:schemeClr val="tx1"/>
+            <a:schemeClr val="tx1">
+              <a:lumMod val="75000"/>
+              <a:lumOff val="25000"/>
+            </a:schemeClr>
           </a:solidFill>
           <a:latin typeface="+mn-lt"/>
           <a:ea typeface="+mn-ea"/>
           <a:cs typeface="+mn-cs"/>
         </a:defRPr>
       </a:lvl6pPr>
-      <a:lvl7pPr marL="2971800" indent="-228600" algn="l" defTabSz="914400" rtl="0" eaLnBrk="1" latinLnBrk="0" hangingPunct="1">
+      <a:lvl7pPr marL="1300000" indent="-228600" algn="l" defTabSz="914400" rtl="0" eaLnBrk="1" latinLnBrk="1" hangingPunct="1">
         <a:lnSpc>
           <a:spcPct val="90000"/>
         </a:lnSpc>
         <a:spcBef>
-          <a:spcPts val="500"/>
+          <a:spcPts val="200"/>
         </a:spcBef>
-        <a:buFont typeface="Arial" panose="020B0604020202020204" pitchFamily="34" charset="0"/>
-        <a:buChar char="•"/>
-        <a:defRPr sz="1800" kern="1200">
+        <a:spcAft>
+          <a:spcPts val="400"/>
+        </a:spcAft>
+        <a:buClr>
+          <a:schemeClr val="accent1"/>
+        </a:buClr>
+        <a:buFont typeface="Calibri" pitchFamily="34" charset="0"/>
+        <a:buChar char="◦"/>
+        <a:defRPr sz="1400" kern="1200">
           <a:solidFill>
-            <a:schemeClr val="tx1"/>
+            <a:schemeClr val="tx1">
+              <a:lumMod val="75000"/>
+              <a:lumOff val="25000"/>
+            </a:schemeClr>
           </a:solidFill>
           <a:latin typeface="+mn-lt"/>
           <a:ea typeface="+mn-ea"/>
           <a:cs typeface="+mn-cs"/>
         </a:defRPr>
       </a:lvl7pPr>
-      <a:lvl8pPr marL="3429000" indent="-228600" algn="l" defTabSz="914400" rtl="0" eaLnBrk="1" latinLnBrk="0" hangingPunct="1">
+      <a:lvl8pPr marL="1500000" indent="-228600" algn="l" defTabSz="914400" rtl="0" eaLnBrk="1" latinLnBrk="1" hangingPunct="1">
         <a:lnSpc>
           <a:spcPct val="90000"/>
         </a:lnSpc>
         <a:spcBef>
-          <a:spcPts val="500"/>
+          <a:spcPts val="200"/>
         </a:spcBef>
-        <a:buFont typeface="Arial" panose="020B0604020202020204" pitchFamily="34" charset="0"/>
-        <a:buChar char="•"/>
-        <a:defRPr sz="1800" kern="1200">
+        <a:spcAft>
+          <a:spcPts val="400"/>
+        </a:spcAft>
+        <a:buClr>
+          <a:schemeClr val="accent1"/>
+        </a:buClr>
+        <a:buFont typeface="Calibri" pitchFamily="34" charset="0"/>
+        <a:buChar char="◦"/>
+        <a:defRPr sz="1400" kern="1200">
           <a:solidFill>
-            <a:schemeClr val="tx1"/>
+            <a:schemeClr val="tx1">
+              <a:lumMod val="75000"/>
+              <a:lumOff val="25000"/>
+            </a:schemeClr>
           </a:solidFill>
           <a:latin typeface="+mn-lt"/>
           <a:ea typeface="+mn-ea"/>
           <a:cs typeface="+mn-cs"/>
         </a:defRPr>
       </a:lvl8pPr>
-      <a:lvl9pPr marL="3886200" indent="-228600" algn="l" defTabSz="914400" rtl="0" eaLnBrk="1" latinLnBrk="0" hangingPunct="1">
+      <a:lvl9pPr marL="1700000" indent="-228600" algn="l" defTabSz="914400" rtl="0" eaLnBrk="1" latinLnBrk="1" hangingPunct="1">
         <a:lnSpc>
           <a:spcPct val="90000"/>
         </a:lnSpc>
         <a:spcBef>
-          <a:spcPts val="500"/>
+          <a:spcPts val="200"/>
         </a:spcBef>
-        <a:buFont typeface="Arial" panose="020B0604020202020204" pitchFamily="34" charset="0"/>
-        <a:buChar char="•"/>
-        <a:defRPr sz="1800" kern="1200">
+        <a:spcAft>
+          <a:spcPts val="400"/>
+        </a:spcAft>
+        <a:buClr>
+          <a:schemeClr val="accent1"/>
+        </a:buClr>
+        <a:buFont typeface="Calibri" pitchFamily="34" charset="0"/>
+        <a:buChar char="◦"/>
+        <a:defRPr sz="1400" kern="1200">
           <a:solidFill>
-            <a:schemeClr val="tx1"/>
+            <a:schemeClr val="tx1">
+              <a:lumMod val="75000"/>
+              <a:lumOff val="25000"/>
+            </a:schemeClr>
           </a:solidFill>
           <a:latin typeface="+mn-lt"/>
           <a:ea typeface="+mn-ea"/>
@@ -2836,7 +3688,7 @@
       <a:defPPr>
         <a:defRPr lang="en-US"/>
       </a:defPPr>
-      <a:lvl1pPr marL="0" algn="l" defTabSz="914400" rtl="0" eaLnBrk="1" latinLnBrk="0" hangingPunct="1">
+      <a:lvl1pPr marL="0" algn="l" defTabSz="914400" rtl="0" eaLnBrk="1" latinLnBrk="1" hangingPunct="1">
         <a:defRPr sz="1800" kern="1200">
           <a:solidFill>
             <a:schemeClr val="tx1"/>
@@ -2846,7 +3698,7 @@
           <a:cs typeface="+mn-cs"/>
         </a:defRPr>
       </a:lvl1pPr>
-      <a:lvl2pPr marL="457200" algn="l" defTabSz="914400" rtl="0" eaLnBrk="1" latinLnBrk="0" hangingPunct="1">
+      <a:lvl2pPr marL="457200" algn="l" defTabSz="914400" rtl="0" eaLnBrk="1" latinLnBrk="1" hangingPunct="1">
         <a:defRPr sz="1800" kern="1200">
           <a:solidFill>
             <a:schemeClr val="tx1"/>
@@ -2856,7 +3708,7 @@
           <a:cs typeface="+mn-cs"/>
         </a:defRPr>
       </a:lvl2pPr>
-      <a:lvl3pPr marL="914400" algn="l" defTabSz="914400" rtl="0" eaLnBrk="1" latinLnBrk="0" hangingPunct="1">
+      <a:lvl3pPr marL="914400" algn="l" defTabSz="914400" rtl="0" eaLnBrk="1" latinLnBrk="1" hangingPunct="1">
         <a:defRPr sz="1800" kern="1200">
           <a:solidFill>
             <a:schemeClr val="tx1"/>
@@ -2866,7 +3718,7 @@
           <a:cs typeface="+mn-cs"/>
         </a:defRPr>
       </a:lvl3pPr>
-      <a:lvl4pPr marL="1371600" algn="l" defTabSz="914400" rtl="0" eaLnBrk="1" latinLnBrk="0" hangingPunct="1">
+      <a:lvl4pPr marL="1371600" algn="l" defTabSz="914400" rtl="0" eaLnBrk="1" latinLnBrk="1" hangingPunct="1">
         <a:defRPr sz="1800" kern="1200">
           <a:solidFill>
             <a:schemeClr val="tx1"/>
@@ -2876,7 +3728,7 @@
           <a:cs typeface="+mn-cs"/>
         </a:defRPr>
       </a:lvl4pPr>
-      <a:lvl5pPr marL="1828800" algn="l" defTabSz="914400" rtl="0" eaLnBrk="1" latinLnBrk="0" hangingPunct="1">
+      <a:lvl5pPr marL="1828800" algn="l" defTabSz="914400" rtl="0" eaLnBrk="1" latinLnBrk="1" hangingPunct="1">
         <a:defRPr sz="1800" kern="1200">
           <a:solidFill>
             <a:schemeClr val="tx1"/>
@@ -2886,7 +3738,7 @@
           <a:cs typeface="+mn-cs"/>
         </a:defRPr>
       </a:lvl5pPr>
-      <a:lvl6pPr marL="2286000" algn="l" defTabSz="914400" rtl="0" eaLnBrk="1" latinLnBrk="0" hangingPunct="1">
+      <a:lvl6pPr marL="2286000" algn="l" defTabSz="914400" rtl="0" eaLnBrk="1" latinLnBrk="1" hangingPunct="1">
         <a:defRPr sz="1800" kern="1200">
           <a:solidFill>
             <a:schemeClr val="tx1"/>
@@ -2896,7 +3748,7 @@
           <a:cs typeface="+mn-cs"/>
         </a:defRPr>
       </a:lvl6pPr>
-      <a:lvl7pPr marL="2743200" algn="l" defTabSz="914400" rtl="0" eaLnBrk="1" latinLnBrk="0" hangingPunct="1">
+      <a:lvl7pPr marL="2743200" algn="l" defTabSz="914400" rtl="0" eaLnBrk="1" latinLnBrk="1" hangingPunct="1">
         <a:defRPr sz="1800" kern="1200">
           <a:solidFill>
             <a:schemeClr val="tx1"/>
@@ -2906,7 +3758,7 @@
           <a:cs typeface="+mn-cs"/>
         </a:defRPr>
       </a:lvl7pPr>
-      <a:lvl8pPr marL="3200400" algn="l" defTabSz="914400" rtl="0" eaLnBrk="1" latinLnBrk="0" hangingPunct="1">
+      <a:lvl8pPr marL="3200400" algn="l" defTabSz="914400" rtl="0" eaLnBrk="1" latinLnBrk="1" hangingPunct="1">
         <a:defRPr sz="1800" kern="1200">
           <a:solidFill>
             <a:schemeClr val="tx1"/>
@@ -2916,7 +3768,7 @@
           <a:cs typeface="+mn-cs"/>
         </a:defRPr>
       </a:lvl8pPr>
-      <a:lvl9pPr marL="3657600" algn="l" defTabSz="914400" rtl="0" eaLnBrk="1" latinLnBrk="0" hangingPunct="1">
+      <a:lvl9pPr marL="3657600" algn="l" defTabSz="914400" rtl="0" eaLnBrk="1" latinLnBrk="1" hangingPunct="1">
         <a:defRPr sz="1800" kern="1200">
           <a:solidFill>
             <a:schemeClr val="tx1"/>
@@ -3012,9 +3864,9 @@
 </file>
 
 <file path=ppt/theme/theme1.xml><?xml version="1.0" encoding="utf-8"?>
-<a:theme xmlns:a="http://schemas.openxmlformats.org/drawingml/2006/main" name="Office Theme">
+<a:theme xmlns:a="http://schemas.openxmlformats.org/drawingml/2006/main" name="추억">
   <a:themeElements>
-    <a:clrScheme name="Office">
+    <a:clrScheme name="추억">
       <a:dk1>
         <a:sysClr val="windowText" lastClr="000000"/>
       </a:dk1>
@@ -3022,37 +3874,37 @@
         <a:sysClr val="window" lastClr="FFFFFF"/>
       </a:lt1>
       <a:dk2>
-        <a:srgbClr val="44546A"/>
+        <a:srgbClr val="344068"/>
       </a:dk2>
       <a:lt2>
-        <a:srgbClr val="E7E6E6"/>
+        <a:srgbClr val="D9E0E6"/>
       </a:lt2>
       <a:accent1>
-        <a:srgbClr val="5B9BD5"/>
+        <a:srgbClr val="1CADE4"/>
       </a:accent1>
       <a:accent2>
-        <a:srgbClr val="ED7D31"/>
+        <a:srgbClr val="2683C6"/>
       </a:accent2>
       <a:accent3>
-        <a:srgbClr val="A5A5A5"/>
+        <a:srgbClr val="28C4CC"/>
       </a:accent3>
       <a:accent4>
-        <a:srgbClr val="FFC000"/>
+        <a:srgbClr val="42BA97"/>
       </a:accent4>
       <a:accent5>
-        <a:srgbClr val="4472C4"/>
+        <a:srgbClr val="3E8853"/>
       </a:accent5>
       <a:accent6>
-        <a:srgbClr val="70AD47"/>
+        <a:srgbClr val="62A39F"/>
       </a:accent6>
       <a:hlink>
-        <a:srgbClr val="0563C1"/>
+        <a:srgbClr val="6EAC1C"/>
       </a:hlink>
       <a:folHlink>
-        <a:srgbClr val="954F72"/>
+        <a:srgbClr val="B26B02"/>
       </a:folHlink>
     </a:clrScheme>
-    <a:fontScheme name="Office">
+    <a:fontScheme name="추억">
       <a:majorFont>
         <a:latin typeface="Calibri Light" panose="020F0302020204030204"/>
         <a:ea typeface=""/>
@@ -3124,7 +3976,7 @@
         <a:font script="Geor" typeface="Sylfaen"/>
       </a:minorFont>
     </a:fontScheme>
-    <a:fmtScheme name="Office">
+    <a:fmtScheme name="추억">
       <a:fillStyleLst>
         <a:solidFill>
           <a:schemeClr val="phClr"/>
@@ -3133,76 +3985,81 @@
           <a:gsLst>
             <a:gs pos="0">
               <a:schemeClr val="phClr">
-                <a:lumMod val="110000"/>
-                <a:satMod val="105000"/>
-                <a:tint val="67000"/>
+                <a:tint val="65000"/>
+                <a:shade val="92000"/>
+                <a:satMod val="130000"/>
               </a:schemeClr>
             </a:gs>
-            <a:gs pos="50000">
+            <a:gs pos="45000">
               <a:schemeClr val="phClr">
-                <a:lumMod val="105000"/>
-                <a:satMod val="103000"/>
-                <a:tint val="73000"/>
+                <a:tint val="60000"/>
+                <a:shade val="99000"/>
+                <a:satMod val="120000"/>
               </a:schemeClr>
             </a:gs>
             <a:gs pos="100000">
               <a:schemeClr val="phClr">
-                <a:lumMod val="105000"/>
-                <a:satMod val="109000"/>
-                <a:tint val="81000"/>
+                <a:tint val="55000"/>
+                <a:satMod val="140000"/>
               </a:schemeClr>
             </a:gs>
           </a:gsLst>
-          <a:lin ang="5400000" scaled="0"/>
+          <a:path path="circle">
+            <a:fillToRect l="100000" t="100000" r="100000" b="100000"/>
+          </a:path>
         </a:gradFill>
         <a:gradFill rotWithShape="1">
           <a:gsLst>
             <a:gs pos="0">
               <a:schemeClr val="phClr">
-                <a:satMod val="103000"/>
-                <a:lumMod val="102000"/>
-                <a:tint val="94000"/>
+                <a:shade val="85000"/>
+                <a:satMod val="130000"/>
               </a:schemeClr>
             </a:gs>
-            <a:gs pos="50000">
+            <a:gs pos="34000">
               <a:schemeClr val="phClr">
-                <a:satMod val="110000"/>
-                <a:lumMod val="100000"/>
-                <a:shade val="100000"/>
+                <a:shade val="87000"/>
+                <a:satMod val="125000"/>
+              </a:schemeClr>
+            </a:gs>
+            <a:gs pos="70000">
+              <a:schemeClr val="phClr">
+                <a:tint val="100000"/>
+                <a:shade val="90000"/>
+                <a:satMod val="130000"/>
               </a:schemeClr>
             </a:gs>
             <a:gs pos="100000">
               <a:schemeClr val="phClr">
-                <a:lumMod val="99000"/>
-                <a:satMod val="120000"/>
-                <a:shade val="78000"/>
+                <a:tint val="100000"/>
+                <a:shade val="100000"/>
+                <a:satMod val="110000"/>
               </a:schemeClr>
             </a:gs>
           </a:gsLst>
-          <a:lin ang="5400000" scaled="0"/>
+          <a:path path="circle">
+            <a:fillToRect l="100000" t="100000" r="100000" b="100000"/>
+          </a:path>
         </a:gradFill>
       </a:fillStyleLst>
       <a:lnStyleLst>
-        <a:ln w="6350" cap="flat" cmpd="sng" algn="ctr">
-          <a:solidFill>
-            <a:schemeClr val="phClr"/>
-          </a:solidFill>
-          <a:prstDash val="solid"/>
-          <a:miter lim="800000"/>
-        </a:ln>
         <a:ln w="12700" cap="flat" cmpd="sng" algn="ctr">
           <a:solidFill>
             <a:schemeClr val="phClr"/>
           </a:solidFill>
           <a:prstDash val="solid"/>
-          <a:miter lim="800000"/>
         </a:ln>
-        <a:ln w="19050" cap="flat" cmpd="sng" algn="ctr">
+        <a:ln w="15875" cap="flat" cmpd="sng" algn="ctr">
           <a:solidFill>
             <a:schemeClr val="phClr"/>
           </a:solidFill>
           <a:prstDash val="solid"/>
-          <a:miter lim="800000"/>
+        </a:ln>
+        <a:ln w="25400" cap="flat" cmpd="sng" algn="ctr">
+          <a:solidFill>
+            <a:schemeClr val="phClr"/>
+          </a:solidFill>
+          <a:prstDash val="solid"/>
         </a:ln>
       </a:lnStyleLst>
       <a:effectStyleLst>
@@ -3210,16 +4067,33 @@
           <a:effectLst/>
         </a:effectStyle>
         <a:effectStyle>
-          <a:effectLst/>
+          <a:effectLst>
+            <a:outerShdw blurRad="38100" dist="25400" dir="2700000" algn="br" rotWithShape="0">
+              <a:srgbClr val="000000">
+                <a:alpha val="60000"/>
+              </a:srgbClr>
+            </a:outerShdw>
+          </a:effectLst>
         </a:effectStyle>
         <a:effectStyle>
           <a:effectLst>
-            <a:outerShdw blurRad="57150" dist="19050" dir="5400000" algn="ctr" rotWithShape="0">
+            <a:outerShdw blurRad="44450" dist="25400" dir="2700000" algn="br" rotWithShape="0">
               <a:srgbClr val="000000">
-                <a:alpha val="63000"/>
+                <a:alpha val="60000"/>
               </a:srgbClr>
             </a:outerShdw>
           </a:effectLst>
+          <a:scene3d>
+            <a:camera prst="orthographicFront">
+              <a:rot lat="0" lon="0" rev="0"/>
+            </a:camera>
+            <a:lightRig rig="threePt" dir="t">
+              <a:rot lat="0" lon="0" rev="19800000"/>
+            </a:lightRig>
+          </a:scene3d>
+          <a:sp3d prstMaterial="flat">
+            <a:bevelT w="25400" h="31750"/>
+          </a:sp3d>
         </a:effectStyle>
       </a:effectStyleLst>
       <a:bgFillStyleLst>
@@ -3228,36 +4102,36 @@
         </a:solidFill>
         <a:solidFill>
           <a:schemeClr val="phClr">
-            <a:tint val="95000"/>
-            <a:satMod val="170000"/>
+            <a:tint val="90000"/>
+            <a:shade val="97000"/>
+            <a:satMod val="130000"/>
           </a:schemeClr>
         </a:solidFill>
         <a:gradFill rotWithShape="1">
           <a:gsLst>
             <a:gs pos="0">
               <a:schemeClr val="phClr">
-                <a:tint val="93000"/>
-                <a:satMod val="150000"/>
-                <a:shade val="98000"/>
-                <a:lumMod val="102000"/>
+                <a:tint val="96000"/>
+                <a:shade val="99000"/>
+                <a:satMod val="140000"/>
               </a:schemeClr>
             </a:gs>
-            <a:gs pos="50000">
+            <a:gs pos="65000">
               <a:schemeClr val="phClr">
-                <a:tint val="98000"/>
+                <a:tint val="100000"/>
+                <a:shade val="80000"/>
                 <a:satMod val="130000"/>
-                <a:shade val="90000"/>
-                <a:lumMod val="103000"/>
               </a:schemeClr>
             </a:gs>
             <a:gs pos="100000">
               <a:schemeClr val="phClr">
-                <a:shade val="63000"/>
+                <a:tint val="100000"/>
+                <a:shade val="48000"/>
                 <a:satMod val="120000"/>
               </a:schemeClr>
             </a:gs>
           </a:gsLst>
-          <a:lin ang="5400000" scaled="0"/>
+          <a:lin ang="16200000" scaled="0"/>
         </a:gradFill>
       </a:bgFillStyleLst>
     </a:fmtScheme>
@@ -3266,7 +4140,7 @@
   <a:extraClrSchemeLst/>
   <a:extLst>
     <a:ext uri="{05A4C25C-085E-4340-85A3-A5531E510DB2}">
-      <thm15:themeFamily xmlns:thm15="http://schemas.microsoft.com/office/thememl/2012/main" name="Office Theme" id="{62F939B6-93AF-4DB8-9C6B-D6C7DFDC589F}" vid="{4A3C46E8-61CC-4603-A589-7422A47A8E4A}"/>
+      <thm15:themeFamily xmlns:thm15="http://schemas.microsoft.com/office/thememl/2012/main" name="Retrospect" id="{5F128B03-DCCA-4EEB-AB3B-CF2899314A46}" vid="{9CC26709-368C-4D72-9060-94E5B3FF3CD6}"/>
     </a:ext>
   </a:extLst>
 </a:theme>
